--- a/Lessons/G_RF_TimeSeries/TimeSeries.pptx
+++ b/Lessons/G_RF_TimeSeries/TimeSeries.pptx
@@ -5,10 +5,10 @@
     <p:sldMasterId id="2147483672" r:id="rId1"/>
   </p:sldMasterIdLst>
   <p:notesMasterIdLst>
-    <p:notesMasterId r:id="rId55"/>
+    <p:notesMasterId r:id="rId54"/>
   </p:notesMasterIdLst>
   <p:handoutMasterIdLst>
-    <p:handoutMasterId r:id="rId56"/>
+    <p:handoutMasterId r:id="rId55"/>
   </p:handoutMasterIdLst>
   <p:sldIdLst>
     <p:sldId id="275" r:id="rId2"/>
@@ -63,7 +63,6 @@
     <p:sldId id="346" r:id="rId51"/>
     <p:sldId id="350" r:id="rId52"/>
     <p:sldId id="348" r:id="rId53"/>
-    <p:sldId id="412" r:id="rId54"/>
   </p:sldIdLst>
   <p:sldSz cx="9144000" cy="6858000" type="screen4x3"/>
   <p:notesSz cx="6858000" cy="9144000"/>
@@ -255,7 +254,7 @@
           <a:p>
             <a:fld id="{C63082B1-427E-41DB-ABE5-DAB9BFFC394E}" type="datetimeFigureOut">
               <a:rPr lang="en-US" smtClean="0"/>
-              <a:t>3/22/21</a:t>
+              <a:t>4/12/21</a:t>
             </a:fld>
             <a:endParaRPr lang="en-US"/>
           </a:p>
@@ -420,7 +419,7 @@
           <a:p>
             <a:fld id="{C333ABA6-B72D-4ED4-A6E7-13A0DAE65F1A}" type="datetimeFigureOut">
               <a:rPr lang="en-US" smtClean="0"/>
-              <a:t>3/22/21</a:t>
+              <a:t>4/12/21</a:t>
             </a:fld>
             <a:endParaRPr lang="en-US"/>
           </a:p>
@@ -1705,7 +1704,7 @@
           <a:p>
             <a:fld id="{5738B90E-0779-4C36-915C-6F05FCD89456}" type="datetime1">
               <a:rPr lang="en-US" smtClean="0"/>
-              <a:t>3/22/21</a:t>
+              <a:t>4/12/21</a:t>
             </a:fld>
             <a:endParaRPr lang="en-US"/>
           </a:p>
@@ -1923,7 +1922,7 @@
           <a:p>
             <a:fld id="{7B9EA29D-D431-42FE-B7B6-AAE4454C77D3}" type="datetime1">
               <a:rPr lang="en-US" smtClean="0"/>
-              <a:t>3/22/21</a:t>
+              <a:t>4/12/21</a:t>
             </a:fld>
             <a:endParaRPr lang="en-US"/>
           </a:p>
@@ -2183,7 +2182,7 @@
           <a:p>
             <a:fld id="{690D8A1E-EA8F-46C1-B891-AE0C00D9C314}" type="datetime1">
               <a:rPr lang="en-US" smtClean="0"/>
-              <a:t>3/22/21</a:t>
+              <a:t>4/12/21</a:t>
             </a:fld>
             <a:endParaRPr lang="en-US"/>
           </a:p>
@@ -2477,7 +2476,7 @@
           <a:p>
             <a:fld id="{D753EFC8-4232-4598-94F6-94C0EBAFC469}" type="datetime1">
               <a:rPr lang="en-US" smtClean="0"/>
-              <a:t>3/22/21</a:t>
+              <a:t>4/12/21</a:t>
             </a:fld>
             <a:endParaRPr lang="en-US"/>
           </a:p>
@@ -2792,7 +2791,7 @@
           <a:p>
             <a:fld id="{F3161074-1C18-4AE7-957D-F18524378C85}" type="datetime1">
               <a:rPr lang="en-US" smtClean="0"/>
-              <a:t>3/22/21</a:t>
+              <a:t>4/12/21</a:t>
             </a:fld>
             <a:endParaRPr lang="en-US"/>
           </a:p>
@@ -3066,7 +3065,7 @@
           <a:p>
             <a:fld id="{69BE256C-8D9A-4404-B47D-41A1AE514425}" type="datetime1">
               <a:rPr lang="en-US" smtClean="0"/>
-              <a:t>3/22/21</a:t>
+              <a:t>4/12/21</a:t>
             </a:fld>
             <a:endParaRPr lang="en-US"/>
           </a:p>
@@ -3500,7 +3499,7 @@
           <a:p>
             <a:fld id="{66CB2154-9035-4012-8189-BAAB61C5A5EE}" type="datetime1">
               <a:rPr lang="en-US" smtClean="0"/>
-              <a:t>3/22/21</a:t>
+              <a:t>4/12/21</a:t>
             </a:fld>
             <a:endParaRPr lang="en-US"/>
           </a:p>
@@ -3674,7 +3673,7 @@
           <a:p>
             <a:fld id="{6700A58B-DD98-43D0-B791-721480A02982}" type="datetime1">
               <a:rPr lang="en-US" smtClean="0"/>
-              <a:t>3/22/21</a:t>
+              <a:t>4/12/21</a:t>
             </a:fld>
             <a:endParaRPr lang="en-US"/>
           </a:p>
@@ -3866,7 +3865,7 @@
           <a:p>
             <a:fld id="{7DB6E382-4F61-4E24-BE1A-377EC83D0E3A}" type="datetime1">
               <a:rPr lang="en-US" smtClean="0"/>
-              <a:t>3/22/21</a:t>
+              <a:t>4/12/21</a:t>
             </a:fld>
             <a:endParaRPr lang="en-US"/>
           </a:p>
@@ -4177,7 +4176,7 @@
           <a:p>
             <a:fld id="{4142EED6-FC16-45B9-B8C4-2BC5DBA88325}" type="datetime1">
               <a:rPr lang="en-US" smtClean="0"/>
-              <a:t>3/22/21</a:t>
+              <a:t>4/12/21</a:t>
             </a:fld>
             <a:endParaRPr lang="en-US"/>
           </a:p>
@@ -4495,7 +4494,7 @@
           <a:p>
             <a:fld id="{DF59512B-4F1D-43D7-8819-2F53FEF69650}" type="datetime1">
               <a:rPr lang="en-US" smtClean="0"/>
-              <a:t>3/22/21</a:t>
+              <a:t>4/12/21</a:t>
             </a:fld>
             <a:endParaRPr lang="en-US"/>
           </a:p>
@@ -4771,7 +4770,7 @@
           <a:p>
             <a:fld id="{08437B94-E2BF-44DC-ADC5-B05FC9934E9D}" type="datetime1">
               <a:rPr lang="en-US" smtClean="0"/>
-              <a:t>3/22/21</a:t>
+              <a:t>4/12/21</a:t>
             </a:fld>
             <a:endParaRPr lang="en-US"/>
           </a:p>
@@ -5291,7 +5290,7 @@
           <a:p>
             <a:fld id="{F3161074-1C18-4AE7-957D-F18524378C85}" type="datetime1">
               <a:rPr lang="en-US" smtClean="0"/>
-              <a:t>3/22/21</a:t>
+              <a:t>4/12/21</a:t>
             </a:fld>
             <a:endParaRPr lang="en-US"/>
           </a:p>
@@ -5407,7 +5406,7 @@
           <a:p>
             <a:fld id="{6700A58B-DD98-43D0-B791-721480A02982}" type="datetime1">
               <a:rPr lang="en-US" smtClean="0"/>
-              <a:t>3/22/21</a:t>
+              <a:t>4/12/21</a:t>
             </a:fld>
             <a:endParaRPr lang="en-US"/>
           </a:p>
@@ -5640,7 +5639,7 @@
           <a:p>
             <a:fld id="{6700A58B-DD98-43D0-B791-721480A02982}" type="datetime1">
               <a:rPr lang="en-US" smtClean="0"/>
-              <a:t>3/22/21</a:t>
+              <a:t>4/12/21</a:t>
             </a:fld>
             <a:endParaRPr lang="en-US"/>
           </a:p>
@@ -5880,7 +5879,7 @@
           <a:p>
             <a:fld id="{6700A58B-DD98-43D0-B791-721480A02982}" type="datetime1">
               <a:rPr lang="en-US" smtClean="0"/>
-              <a:t>3/22/21</a:t>
+              <a:t>4/12/21</a:t>
             </a:fld>
             <a:endParaRPr lang="en-US"/>
           </a:p>
@@ -6327,7 +6326,7 @@
           <a:p>
             <a:fld id="{D753EFC8-4232-4598-94F6-94C0EBAFC469}" type="datetime1">
               <a:rPr lang="en-US" smtClean="0"/>
-              <a:t>3/22/21</a:t>
+              <a:t>4/12/21</a:t>
             </a:fld>
             <a:endParaRPr lang="en-US"/>
           </a:p>
@@ -6866,7 +6865,7 @@
           <a:p>
             <a:fld id="{D753EFC8-4232-4598-94F6-94C0EBAFC469}" type="datetime1">
               <a:rPr lang="en-US" smtClean="0"/>
-              <a:t>3/22/21</a:t>
+              <a:t>4/12/21</a:t>
             </a:fld>
             <a:endParaRPr lang="en-US"/>
           </a:p>
@@ -7320,7 +7319,7 @@
           <a:p>
             <a:fld id="{D753EFC8-4232-4598-94F6-94C0EBAFC469}" type="datetime1">
               <a:rPr lang="en-US" smtClean="0"/>
-              <a:t>3/22/21</a:t>
+              <a:t>4/12/21</a:t>
             </a:fld>
             <a:endParaRPr lang="en-US"/>
           </a:p>
@@ -7774,7 +7773,7 @@
           <a:p>
             <a:fld id="{D753EFC8-4232-4598-94F6-94C0EBAFC469}" type="datetime1">
               <a:rPr lang="en-US" smtClean="0"/>
-              <a:t>3/22/21</a:t>
+              <a:t>4/12/21</a:t>
             </a:fld>
             <a:endParaRPr lang="en-US"/>
           </a:p>
@@ -8234,7 +8233,7 @@
           <a:p>
             <a:fld id="{D753EFC8-4232-4598-94F6-94C0EBAFC469}" type="datetime1">
               <a:rPr lang="en-US" smtClean="0"/>
-              <a:t>3/22/21</a:t>
+              <a:t>4/12/21</a:t>
             </a:fld>
             <a:endParaRPr lang="en-US"/>
           </a:p>
@@ -8341,7 +8340,7 @@
           <a:p>
             <a:fld id="{6700A58B-DD98-43D0-B791-721480A02982}" type="datetime1">
               <a:rPr lang="en-US" smtClean="0"/>
-              <a:t>3/22/21</a:t>
+              <a:t>4/12/21</a:t>
             </a:fld>
             <a:endParaRPr lang="en-US"/>
           </a:p>
@@ -9749,7 +9748,7 @@
           <a:p>
             <a:fld id="{D753EFC8-4232-4598-94F6-94C0EBAFC469}" type="datetime1">
               <a:rPr lang="en-US" smtClean="0"/>
-              <a:t>3/22/21</a:t>
+              <a:t>4/12/21</a:t>
             </a:fld>
             <a:endParaRPr lang="en-US"/>
           </a:p>
@@ -10292,7 +10291,7 @@
           <a:p>
             <a:fld id="{9B19E99B-5349-415A-8E56-8E989211A366}" type="datetime1">
               <a:rPr lang="en-US" smtClean="0"/>
-              <a:t>3/22/21</a:t>
+              <a:t>4/12/21</a:t>
             </a:fld>
             <a:endParaRPr lang="en-US"/>
           </a:p>
@@ -10762,7 +10761,7 @@
           <a:p>
             <a:fld id="{D753EFC8-4232-4598-94F6-94C0EBAFC469}" type="datetime1">
               <a:rPr lang="en-US" smtClean="0"/>
-              <a:t>3/22/21</a:t>
+              <a:t>4/12/21</a:t>
             </a:fld>
             <a:endParaRPr lang="en-US"/>
           </a:p>
@@ -11113,7 +11112,7 @@
           <a:p>
             <a:fld id="{D753EFC8-4232-4598-94F6-94C0EBAFC469}" type="datetime1">
               <a:rPr lang="en-US" smtClean="0"/>
-              <a:t>3/22/21</a:t>
+              <a:t>4/12/21</a:t>
             </a:fld>
             <a:endParaRPr lang="en-US"/>
           </a:p>
@@ -11223,7 +11222,7 @@
           <a:graphicData uri="http://schemas.openxmlformats.org/presentationml/2006/ole">
             <mc:AlternateContent xmlns:mc="http://schemas.openxmlformats.org/markup-compatibility/2006">
               <mc:Choice xmlns:v="urn:schemas-microsoft-com:vml" Requires="v">
-                <p:oleObj spid="_x0000_s3137" name="think-cell Slide" r:id="rId5" imgW="270" imgH="270" progId="TCLayout.ActiveDocument.1">
+                <p:oleObj spid="_x0000_s3138" name="think-cell Slide" r:id="rId5" imgW="270" imgH="270" progId="TCLayout.ActiveDocument.1">
                   <p:embed/>
                 </p:oleObj>
               </mc:Choice>
@@ -11584,7 +11583,7 @@
           <a:p>
             <a:fld id="{D753EFC8-4232-4598-94F6-94C0EBAFC469}" type="datetime1">
               <a:rPr lang="en-US" smtClean="0"/>
-              <a:t>3/22/21</a:t>
+              <a:t>4/12/21</a:t>
             </a:fld>
             <a:endParaRPr lang="en-US"/>
           </a:p>
@@ -11745,7 +11744,7 @@
           <a:p>
             <a:fld id="{D753EFC8-4232-4598-94F6-94C0EBAFC469}" type="datetime1">
               <a:rPr lang="en-US" smtClean="0"/>
-              <a:t>3/22/21</a:t>
+              <a:t>4/12/21</a:t>
             </a:fld>
             <a:endParaRPr lang="en-US"/>
           </a:p>
@@ -11846,7 +11845,7 @@
           <a:graphicData uri="http://schemas.openxmlformats.org/presentationml/2006/ole">
             <mc:AlternateContent xmlns:mc="http://schemas.openxmlformats.org/markup-compatibility/2006">
               <mc:Choice xmlns:v="urn:schemas-microsoft-com:vml" Requires="v">
-                <p:oleObj spid="_x0000_s17468" name="think-cell Slide" r:id="rId5" imgW="270" imgH="270" progId="TCLayout.ActiveDocument.1">
+                <p:oleObj spid="_x0000_s17469" name="think-cell Slide" r:id="rId5" imgW="270" imgH="270" progId="TCLayout.ActiveDocument.1">
                   <p:embed/>
                 </p:oleObj>
               </mc:Choice>
@@ -12042,7 +12041,7 @@
           <a:p>
             <a:fld id="{D753EFC8-4232-4598-94F6-94C0EBAFC469}" type="datetime1">
               <a:rPr lang="en-US" smtClean="0"/>
-              <a:t>3/22/21</a:t>
+              <a:t>4/12/21</a:t>
             </a:fld>
             <a:endParaRPr lang="en-US"/>
           </a:p>
@@ -12621,7 +12620,7 @@
           <a:p>
             <a:fld id="{9B19E99B-5349-415A-8E56-8E989211A366}" type="datetime1">
               <a:rPr lang="en-US" smtClean="0"/>
-              <a:t>3/22/21</a:t>
+              <a:t>4/12/21</a:t>
             </a:fld>
             <a:endParaRPr lang="en-US"/>
           </a:p>
@@ -12722,7 +12721,7 @@
           <a:graphicData uri="http://schemas.openxmlformats.org/presentationml/2006/ole">
             <mc:AlternateContent xmlns:mc="http://schemas.openxmlformats.org/markup-compatibility/2006">
               <mc:Choice xmlns:v="urn:schemas-microsoft-com:vml" Requires="v">
-                <p:oleObj spid="_x0000_s5185" name="think-cell Slide" r:id="rId5" imgW="270" imgH="270" progId="TCLayout.ActiveDocument.1">
+                <p:oleObj spid="_x0000_s5186" name="think-cell Slide" r:id="rId5" imgW="270" imgH="270" progId="TCLayout.ActiveDocument.1">
                   <p:embed/>
                 </p:oleObj>
               </mc:Choice>
@@ -13568,7 +13567,7 @@
           <a:p>
             <a:fld id="{D753EFC8-4232-4598-94F6-94C0EBAFC469}" type="datetime1">
               <a:rPr lang="en-US" smtClean="0"/>
-              <a:t>3/22/21</a:t>
+              <a:t>4/12/21</a:t>
             </a:fld>
             <a:endParaRPr lang="en-US"/>
           </a:p>
@@ -14080,7 +14079,7 @@
           <a:p>
             <a:fld id="{D753EFC8-4232-4598-94F6-94C0EBAFC469}" type="datetime1">
               <a:rPr lang="en-US" smtClean="0"/>
-              <a:t>3/22/21</a:t>
+              <a:t>4/12/21</a:t>
             </a:fld>
             <a:endParaRPr lang="en-US"/>
           </a:p>
@@ -14209,7 +14208,7 @@
           <a:p>
             <a:fld id="{D753EFC8-4232-4598-94F6-94C0EBAFC469}" type="datetime1">
               <a:rPr lang="en-US" smtClean="0"/>
-              <a:t>3/22/21</a:t>
+              <a:t>4/12/21</a:t>
             </a:fld>
             <a:endParaRPr lang="en-US"/>
           </a:p>
@@ -14538,7 +14537,7 @@
           <a:p>
             <a:fld id="{D753EFC8-4232-4598-94F6-94C0EBAFC469}" type="datetime1">
               <a:rPr lang="en-US" smtClean="0"/>
-              <a:t>3/22/21</a:t>
+              <a:t>4/12/21</a:t>
             </a:fld>
             <a:endParaRPr lang="en-US"/>
           </a:p>
@@ -14804,7 +14803,7 @@
           <a:p>
             <a:fld id="{6700A58B-DD98-43D0-B791-721480A02982}" type="datetime1">
               <a:rPr lang="en-US" smtClean="0"/>
-              <a:t>3/22/21</a:t>
+              <a:t>4/12/21</a:t>
             </a:fld>
             <a:endParaRPr lang="en-US"/>
           </a:p>
@@ -15254,7 +15253,7 @@
           <a:p>
             <a:fld id="{D753EFC8-4232-4598-94F6-94C0EBAFC469}" type="datetime1">
               <a:rPr lang="en-US" smtClean="0"/>
-              <a:t>3/22/21</a:t>
+              <a:t>4/12/21</a:t>
             </a:fld>
             <a:endParaRPr lang="en-US"/>
           </a:p>
@@ -15477,7 +15476,7 @@
           <a:p>
             <a:fld id="{D753EFC8-4232-4598-94F6-94C0EBAFC469}" type="datetime1">
               <a:rPr lang="en-US" smtClean="0"/>
-              <a:t>3/22/21</a:t>
+              <a:t>4/12/21</a:t>
             </a:fld>
             <a:endParaRPr lang="en-US"/>
           </a:p>
@@ -15697,7 +15696,7 @@
           <a:p>
             <a:fld id="{D753EFC8-4232-4598-94F6-94C0EBAFC469}" type="datetime1">
               <a:rPr lang="en-US" smtClean="0"/>
-              <a:t>3/22/21</a:t>
+              <a:t>4/12/21</a:t>
             </a:fld>
             <a:endParaRPr lang="en-US"/>
           </a:p>
@@ -16144,7 +16143,7 @@
           <a:p>
             <a:fld id="{D753EFC8-4232-4598-94F6-94C0EBAFC469}" type="datetime1">
               <a:rPr lang="en-US" smtClean="0"/>
-              <a:t>3/22/21</a:t>
+              <a:t>4/12/21</a:t>
             </a:fld>
             <a:endParaRPr lang="en-US"/>
           </a:p>
@@ -16532,7 +16531,7 @@
           <a:p>
             <a:fld id="{D753EFC8-4232-4598-94F6-94C0EBAFC469}" type="datetime1">
               <a:rPr lang="en-US" smtClean="0"/>
-              <a:t>3/22/21</a:t>
+              <a:t>4/12/21</a:t>
             </a:fld>
             <a:endParaRPr lang="en-US"/>
           </a:p>
@@ -17037,7 +17036,7 @@
           <a:p>
             <a:fld id="{D753EFC8-4232-4598-94F6-94C0EBAFC469}" type="datetime1">
               <a:rPr lang="en-US" smtClean="0"/>
-              <a:t>3/22/21</a:t>
+              <a:t>4/12/21</a:t>
             </a:fld>
             <a:endParaRPr lang="en-US"/>
           </a:p>
@@ -17383,7 +17382,7 @@
           <a:p>
             <a:fld id="{D753EFC8-4232-4598-94F6-94C0EBAFC469}" type="datetime1">
               <a:rPr lang="en-US" smtClean="0"/>
-              <a:t>3/22/21</a:t>
+              <a:t>4/12/21</a:t>
             </a:fld>
             <a:endParaRPr lang="en-US"/>
           </a:p>
@@ -17926,7 +17925,7 @@
           <a:p>
             <a:fld id="{D753EFC8-4232-4598-94F6-94C0EBAFC469}" type="datetime1">
               <a:rPr lang="en-US" smtClean="0"/>
-              <a:t>3/22/21</a:t>
+              <a:t>4/12/21</a:t>
             </a:fld>
             <a:endParaRPr lang="en-US"/>
           </a:p>
@@ -18460,7 +18459,7 @@
           <a:p>
             <a:fld id="{9B19E99B-5349-415A-8E56-8E989211A366}" type="datetime1">
               <a:rPr lang="en-US" smtClean="0"/>
-              <a:t>3/22/21</a:t>
+              <a:t>4/12/21</a:t>
             </a:fld>
             <a:endParaRPr lang="en-US"/>
           </a:p>
@@ -18628,7 +18627,7 @@
           <a:p>
             <a:fld id="{D753EFC8-4232-4598-94F6-94C0EBAFC469}" type="datetime1">
               <a:rPr lang="en-US" smtClean="0"/>
-              <a:t>3/22/21</a:t>
+              <a:t>4/12/21</a:t>
             </a:fld>
             <a:endParaRPr lang="en-US"/>
           </a:p>
@@ -19002,7 +19001,7 @@
           <a:p>
             <a:fld id="{6700A58B-DD98-43D0-B791-721480A02982}" type="datetime1">
               <a:rPr lang="en-US" smtClean="0"/>
-              <a:t>3/22/21</a:t>
+              <a:t>4/12/21</a:t>
             </a:fld>
             <a:endParaRPr lang="en-US"/>
           </a:p>
@@ -19523,7 +19522,7 @@
           <a:p>
             <a:fld id="{D753EFC8-4232-4598-94F6-94C0EBAFC469}" type="datetime1">
               <a:rPr lang="en-US" smtClean="0"/>
-              <a:t>3/22/21</a:t>
+              <a:t>4/12/21</a:t>
             </a:fld>
             <a:endParaRPr lang="en-US"/>
           </a:p>
@@ -19915,7 +19914,7 @@
           <a:p>
             <a:fld id="{D753EFC8-4232-4598-94F6-94C0EBAFC469}" type="datetime1">
               <a:rPr lang="en-US" smtClean="0"/>
-              <a:t>3/22/21</a:t>
+              <a:t>4/12/21</a:t>
             </a:fld>
             <a:endParaRPr lang="en-US"/>
           </a:p>
@@ -20446,7 +20445,7 @@
           <a:p>
             <a:fld id="{D753EFC8-4232-4598-94F6-94C0EBAFC469}" type="datetime1">
               <a:rPr lang="en-US" smtClean="0"/>
-              <a:t>3/22/21</a:t>
+              <a:t>4/12/21</a:t>
             </a:fld>
             <a:endParaRPr lang="en-US"/>
           </a:p>
@@ -20736,7 +20735,7 @@
           <a:p>
             <a:fld id="{D753EFC8-4232-4598-94F6-94C0EBAFC469}" type="datetime1">
               <a:rPr lang="en-US" smtClean="0"/>
-              <a:t>3/22/21</a:t>
+              <a:t>4/12/21</a:t>
             </a:fld>
             <a:endParaRPr lang="en-US"/>
           </a:p>
@@ -21026,7 +21025,7 @@
           <a:p>
             <a:fld id="{D753EFC8-4232-4598-94F6-94C0EBAFC469}" type="datetime1">
               <a:rPr lang="en-US" smtClean="0"/>
-              <a:t>3/22/21</a:t>
+              <a:t>4/12/21</a:t>
             </a:fld>
             <a:endParaRPr lang="en-US"/>
           </a:p>
@@ -21406,7 +21405,7 @@
           <a:p>
             <a:fld id="{D753EFC8-4232-4598-94F6-94C0EBAFC469}" type="datetime1">
               <a:rPr lang="en-US" smtClean="0"/>
-              <a:t>3/22/21</a:t>
+              <a:t>4/12/21</a:t>
             </a:fld>
             <a:endParaRPr lang="en-US"/>
           </a:p>
@@ -21671,7 +21670,7 @@
           <a:p>
             <a:fld id="{D753EFC8-4232-4598-94F6-94C0EBAFC469}" type="datetime1">
               <a:rPr lang="en-US" smtClean="0"/>
-              <a:t>3/22/21</a:t>
+              <a:t>4/12/21</a:t>
             </a:fld>
             <a:endParaRPr lang="en-US"/>
           </a:p>
@@ -22205,7 +22204,7 @@
           <a:p>
             <a:fld id="{9B19E99B-5349-415A-8E56-8E989211A366}" type="datetime1">
               <a:rPr lang="en-US" smtClean="0"/>
-              <a:t>3/22/21</a:t>
+              <a:t>4/12/21</a:t>
             </a:fld>
             <a:endParaRPr lang="en-US"/>
           </a:p>
@@ -22325,7 +22324,7 @@
           <a:p>
             <a:fld id="{D753EFC8-4232-4598-94F6-94C0EBAFC469}" type="datetime1">
               <a:rPr lang="en-US" smtClean="0"/>
-              <a:t>3/22/21</a:t>
+              <a:t>4/12/21</a:t>
             </a:fld>
             <a:endParaRPr lang="en-US"/>
           </a:p>
@@ -23042,7 +23041,7 @@
           <a:p>
             <a:fld id="{D753EFC8-4232-4598-94F6-94C0EBAFC469}" type="datetime1">
               <a:rPr lang="en-US" smtClean="0"/>
-              <a:t>3/22/21</a:t>
+              <a:t>4/12/21</a:t>
             </a:fld>
             <a:endParaRPr lang="en-US"/>
           </a:p>
@@ -23978,7 +23977,7 @@
           <a:p>
             <a:fld id="{6700A58B-DD98-43D0-B791-721480A02982}" type="datetime1">
               <a:rPr lang="en-US" smtClean="0"/>
-              <a:t>3/22/21</a:t>
+              <a:t>4/12/21</a:t>
             </a:fld>
             <a:endParaRPr lang="en-US"/>
           </a:p>
@@ -24481,7 +24480,7 @@
           <a:p>
             <a:fld id="{D753EFC8-4232-4598-94F6-94C0EBAFC469}" type="datetime1">
               <a:rPr lang="en-US" smtClean="0"/>
-              <a:t>3/22/21</a:t>
+              <a:t>4/12/21</a:t>
             </a:fld>
             <a:endParaRPr lang="en-US"/>
           </a:p>
@@ -25479,7 +25478,7 @@
           <a:p>
             <a:fld id="{D753EFC8-4232-4598-94F6-94C0EBAFC469}" type="datetime1">
               <a:rPr lang="en-US" smtClean="0"/>
-              <a:t>3/22/21</a:t>
+              <a:t>4/12/21</a:t>
             </a:fld>
             <a:endParaRPr lang="en-US"/>
           </a:p>
@@ -25749,8 +25748,13 @@
           <a:p>
             <a:r>
               <a:rPr lang="en-US" dirty="0"/>
-              <a:t>Open 4_HoltWintersWMT.R</a:t>
-            </a:r>
+              <a:t>Open </a:t>
+            </a:r>
+            <a:r>
+              <a:rPr lang="en-US" dirty="0" err="1"/>
+              <a:t>F_HoltWintersWMT.R</a:t>
+            </a:r>
+            <a:endParaRPr lang="en-US" dirty="0"/>
           </a:p>
         </p:txBody>
       </p:sp>
@@ -25771,7 +25775,7 @@
           <a:p>
             <a:fld id="{D753EFC8-4232-4598-94F6-94C0EBAFC469}" type="datetime1">
               <a:rPr lang="en-US" smtClean="0"/>
-              <a:t>3/22/21</a:t>
+              <a:t>4/12/21</a:t>
             </a:fld>
             <a:endParaRPr lang="en-US"/>
           </a:p>
@@ -25910,241 +25914,6 @@
     <p:extLst>
       <p:ext uri="{BB962C8B-B14F-4D97-AF65-F5344CB8AC3E}">
         <p14:creationId xmlns:p14="http://schemas.microsoft.com/office/powerpoint/2010/main" val="1247865713"/>
-      </p:ext>
-    </p:extLst>
-  </p:cSld>
-  <p:clrMapOvr>
-    <a:masterClrMapping/>
-  </p:clrMapOvr>
-</p:sld>
-</file>
-
-<file path=ppt/slides/slide53.xml><?xml version="1.0" encoding="utf-8"?>
-<p:sld xmlns:a="http://schemas.openxmlformats.org/drawingml/2006/main" xmlns:r="http://schemas.openxmlformats.org/officeDocument/2006/relationships" xmlns:p="http://schemas.openxmlformats.org/presentationml/2006/main">
-  <p:cSld>
-    <p:spTree>
-      <p:nvGrpSpPr>
-        <p:cNvPr id="1" name=""/>
-        <p:cNvGrpSpPr/>
-        <p:nvPr/>
-      </p:nvGrpSpPr>
-      <p:grpSpPr>
-        <a:xfrm>
-          <a:off x="0" y="0"/>
-          <a:ext cx="0" cy="0"/>
-          <a:chOff x="0" y="0"/>
-          <a:chExt cx="0" cy="0"/>
-        </a:xfrm>
-      </p:grpSpPr>
-      <p:sp>
-        <p:nvSpPr>
-          <p:cNvPr id="2" name="Date Placeholder 1">
-            <a:extLst>
-              <a:ext uri="{FF2B5EF4-FFF2-40B4-BE49-F238E27FC236}">
-                <a16:creationId xmlns:a16="http://schemas.microsoft.com/office/drawing/2014/main" id="{2FA4618A-9702-F348-8E1E-48C53044E743}"/>
-              </a:ext>
-            </a:extLst>
-          </p:cNvPr>
-          <p:cNvSpPr>
-            <a:spLocks noGrp="1"/>
-          </p:cNvSpPr>
-          <p:nvPr>
-            <p:ph type="dt" sz="half" idx="10"/>
-          </p:nvPr>
-        </p:nvSpPr>
-        <p:spPr/>
-        <p:txBody>
-          <a:bodyPr/>
-          <a:lstStyle/>
-          <a:p>
-            <a:fld id="{6700A58B-DD98-43D0-B791-721480A02982}" type="datetime1">
-              <a:rPr lang="en-US" smtClean="0"/>
-              <a:t>3/22/21</a:t>
-            </a:fld>
-            <a:endParaRPr lang="en-US"/>
-          </a:p>
-        </p:txBody>
-      </p:sp>
-      <p:sp>
-        <p:nvSpPr>
-          <p:cNvPr id="3" name="Title 2">
-            <a:extLst>
-              <a:ext uri="{FF2B5EF4-FFF2-40B4-BE49-F238E27FC236}">
-                <a16:creationId xmlns:a16="http://schemas.microsoft.com/office/drawing/2014/main" id="{0F4FFFD9-B243-F940-8550-AFB147A9CB0A}"/>
-              </a:ext>
-            </a:extLst>
-          </p:cNvPr>
-          <p:cNvSpPr>
-            <a:spLocks noGrp="1"/>
-          </p:cNvSpPr>
-          <p:nvPr>
-            <p:ph type="title"/>
-          </p:nvPr>
-        </p:nvSpPr>
-        <p:spPr/>
-        <p:txBody>
-          <a:bodyPr/>
-          <a:lstStyle/>
-          <a:p>
-            <a:r>
-              <a:rPr lang="en-US" dirty="0"/>
-              <a:t>Class announcement</a:t>
-            </a:r>
-          </a:p>
-        </p:txBody>
-      </p:sp>
-      <p:sp>
-        <p:nvSpPr>
-          <p:cNvPr id="4" name="Slide Number Placeholder 3">
-            <a:extLst>
-              <a:ext uri="{FF2B5EF4-FFF2-40B4-BE49-F238E27FC236}">
-                <a16:creationId xmlns:a16="http://schemas.microsoft.com/office/drawing/2014/main" id="{48C32043-6151-CE40-8C4E-C20B734EBF15}"/>
-              </a:ext>
-            </a:extLst>
-          </p:cNvPr>
-          <p:cNvSpPr>
-            <a:spLocks noGrp="1"/>
-          </p:cNvSpPr>
-          <p:nvPr>
-            <p:ph type="sldNum" sz="quarter" idx="12"/>
-          </p:nvPr>
-        </p:nvSpPr>
-        <p:spPr/>
-        <p:txBody>
-          <a:bodyPr/>
-          <a:lstStyle/>
-          <a:p>
-            <a:fld id="{37290FF7-652B-4475-AEAB-8B1A5D23AE09}" type="slidenum">
-              <a:rPr lang="en-US" smtClean="0"/>
-              <a:t>53</a:t>
-            </a:fld>
-            <a:endParaRPr lang="en-US"/>
-          </a:p>
-        </p:txBody>
-      </p:sp>
-      <p:sp>
-        <p:nvSpPr>
-          <p:cNvPr id="5" name="Footer Placeholder 4">
-            <a:extLst>
-              <a:ext uri="{FF2B5EF4-FFF2-40B4-BE49-F238E27FC236}">
-                <a16:creationId xmlns:a16="http://schemas.microsoft.com/office/drawing/2014/main" id="{2B79C197-6277-D948-823C-8755246F8BF4}"/>
-              </a:ext>
-            </a:extLst>
-          </p:cNvPr>
-          <p:cNvSpPr>
-            <a:spLocks noGrp="1"/>
-          </p:cNvSpPr>
-          <p:nvPr>
-            <p:ph type="ftr" sz="quarter" idx="3"/>
-          </p:nvPr>
-        </p:nvSpPr>
-        <p:spPr/>
-        <p:txBody>
-          <a:bodyPr/>
-          <a:lstStyle/>
-          <a:p>
-            <a:r>
-              <a:rPr lang="en-US"/>
-              <a:t>Kwartler CSCI S-96</a:t>
-            </a:r>
-            <a:endParaRPr lang="en-US" dirty="0"/>
-          </a:p>
-        </p:txBody>
-      </p:sp>
-      <p:sp>
-        <p:nvSpPr>
-          <p:cNvPr id="6" name="TextBox 5">
-            <a:extLst>
-              <a:ext uri="{FF2B5EF4-FFF2-40B4-BE49-F238E27FC236}">
-                <a16:creationId xmlns:a16="http://schemas.microsoft.com/office/drawing/2014/main" id="{5D164342-92D8-6E4D-B5C3-6E299ED87902}"/>
-              </a:ext>
-            </a:extLst>
-          </p:cNvPr>
-          <p:cNvSpPr txBox="1"/>
-          <p:nvPr/>
-        </p:nvSpPr>
-        <p:spPr>
-          <a:xfrm>
-            <a:off x="800101" y="1671638"/>
-            <a:ext cx="7058025" cy="1200329"/>
-          </a:xfrm>
-          <a:prstGeom prst="rect">
-            <a:avLst/>
-          </a:prstGeom>
-          <a:noFill/>
-        </p:spPr>
-        <p:txBody>
-          <a:bodyPr wrap="square" rtlCol="0">
-            <a:spAutoFit/>
-          </a:bodyPr>
-          <a:lstStyle/>
-          <a:p>
-            <a:pPr marL="285750" indent="-285750">
-              <a:buFont typeface="Arial" panose="020B0604020202020204" pitchFamily="34" charset="0"/>
-              <a:buChar char="•"/>
-            </a:pPr>
-            <a:r>
-              <a:rPr lang="en-US" dirty="0"/>
-              <a:t>Prof K is out Mar 29.</a:t>
-            </a:r>
-          </a:p>
-          <a:p>
-            <a:pPr marL="285750" indent="-285750">
-              <a:buFont typeface="Arial" panose="020B0604020202020204" pitchFamily="34" charset="0"/>
-              <a:buChar char="•"/>
-            </a:pPr>
-            <a:r>
-              <a:rPr lang="en-US" dirty="0"/>
-              <a:t>TA Bik will lead the next lesson on Natural Language Processing</a:t>
-            </a:r>
-          </a:p>
-          <a:p>
-            <a:endParaRPr lang="en-US" dirty="0"/>
-          </a:p>
-          <a:p>
-            <a:endParaRPr lang="en-US" dirty="0"/>
-          </a:p>
-        </p:txBody>
-      </p:sp>
-      <p:sp>
-        <p:nvSpPr>
-          <p:cNvPr id="7" name="TextBox 6">
-            <a:extLst>
-              <a:ext uri="{FF2B5EF4-FFF2-40B4-BE49-F238E27FC236}">
-                <a16:creationId xmlns:a16="http://schemas.microsoft.com/office/drawing/2014/main" id="{4A120458-CCFD-1A44-ADFC-859A0B4A87B5}"/>
-              </a:ext>
-            </a:extLst>
-          </p:cNvPr>
-          <p:cNvSpPr txBox="1"/>
-          <p:nvPr/>
-        </p:nvSpPr>
-        <p:spPr>
-          <a:xfrm>
-            <a:off x="1154686" y="5000625"/>
-            <a:ext cx="6834628" cy="523220"/>
-          </a:xfrm>
-          <a:prstGeom prst="rect">
-            <a:avLst/>
-          </a:prstGeom>
-          <a:noFill/>
-        </p:spPr>
-        <p:txBody>
-          <a:bodyPr wrap="none" rtlCol="0">
-            <a:spAutoFit/>
-          </a:bodyPr>
-          <a:lstStyle/>
-          <a:p>
-            <a:r>
-              <a:rPr lang="en-US" sz="2800" b="1" dirty="0"/>
-              <a:t>Please stay mentally and physically healthy.  </a:t>
-            </a:r>
-          </a:p>
-        </p:txBody>
-      </p:sp>
-    </p:spTree>
-    <p:extLst>
-      <p:ext uri="{BB962C8B-B14F-4D97-AF65-F5344CB8AC3E}">
-        <p14:creationId xmlns:p14="http://schemas.microsoft.com/office/powerpoint/2010/main" val="4109001796"/>
       </p:ext>
     </p:extLst>
   </p:cSld>
@@ -26191,7 +25960,7 @@
           <a:graphicData uri="http://schemas.openxmlformats.org/presentationml/2006/ole">
             <mc:AlternateContent xmlns:mc="http://schemas.openxmlformats.org/markup-compatibility/2006">
               <mc:Choice xmlns:v="urn:schemas-microsoft-com:vml" Requires="v">
-                <p:oleObj spid="_x0000_s13373" name="think-cell Slide" r:id="rId5" imgW="270" imgH="270" progId="TCLayout.ActiveDocument.1">
+                <p:oleObj spid="_x0000_s13374" name="think-cell Slide" r:id="rId5" imgW="270" imgH="270" progId="TCLayout.ActiveDocument.1">
                   <p:embed/>
                 </p:oleObj>
               </mc:Choice>
@@ -26943,7 +26712,7 @@
           <a:p>
             <a:fld id="{D753EFC8-4232-4598-94F6-94C0EBAFC469}" type="datetime1">
               <a:rPr lang="en-US" smtClean="0"/>
-              <a:t>3/22/21</a:t>
+              <a:t>4/12/21</a:t>
             </a:fld>
             <a:endParaRPr lang="en-US"/>
           </a:p>
@@ -27188,7 +26957,7 @@
           <a:p>
             <a:fld id="{6700A58B-DD98-43D0-B791-721480A02982}" type="datetime1">
               <a:rPr lang="en-US" smtClean="0"/>
-              <a:t>3/22/21</a:t>
+              <a:t>4/12/21</a:t>
             </a:fld>
             <a:endParaRPr lang="en-US"/>
           </a:p>
@@ -27707,7 +27476,7 @@
           <a:p>
             <a:fld id="{6700A58B-DD98-43D0-B791-721480A02982}" type="datetime1">
               <a:rPr lang="en-US" smtClean="0"/>
-              <a:t>3/22/21</a:t>
+              <a:t>4/12/21</a:t>
             </a:fld>
             <a:endParaRPr lang="en-US"/>
           </a:p>
@@ -28887,7 +28656,7 @@
           <a:p>
             <a:fld id="{6700A58B-DD98-43D0-B791-721480A02982}" type="datetime1">
               <a:rPr lang="en-US" smtClean="0"/>
-              <a:t>3/22/21</a:t>
+              <a:t>4/12/21</a:t>
             </a:fld>
             <a:endParaRPr lang="en-US"/>
           </a:p>

--- a/Lessons/G_RF_TimeSeries/TimeSeries.pptx
+++ b/Lessons/G_RF_TimeSeries/TimeSeries.pptx
@@ -254,7 +254,7 @@
           <a:p>
             <a:fld id="{C63082B1-427E-41DB-ABE5-DAB9BFFC394E}" type="datetimeFigureOut">
               <a:rPr lang="en-US" smtClean="0"/>
-              <a:t>4/12/21</a:t>
+              <a:t>10/25/21</a:t>
             </a:fld>
             <a:endParaRPr lang="en-US"/>
           </a:p>
@@ -419,7 +419,7 @@
           <a:p>
             <a:fld id="{C333ABA6-B72D-4ED4-A6E7-13A0DAE65F1A}" type="datetimeFigureOut">
               <a:rPr lang="en-US" smtClean="0"/>
-              <a:t>4/12/21</a:t>
+              <a:t>10/25/21</a:t>
             </a:fld>
             <a:endParaRPr lang="en-US"/>
           </a:p>
@@ -1704,7 +1704,7 @@
           <a:p>
             <a:fld id="{5738B90E-0779-4C36-915C-6F05FCD89456}" type="datetime1">
               <a:rPr lang="en-US" smtClean="0"/>
-              <a:t>4/12/21</a:t>
+              <a:t>10/25/21</a:t>
             </a:fld>
             <a:endParaRPr lang="en-US"/>
           </a:p>
@@ -1922,7 +1922,7 @@
           <a:p>
             <a:fld id="{7B9EA29D-D431-42FE-B7B6-AAE4454C77D3}" type="datetime1">
               <a:rPr lang="en-US" smtClean="0"/>
-              <a:t>4/12/21</a:t>
+              <a:t>10/25/21</a:t>
             </a:fld>
             <a:endParaRPr lang="en-US"/>
           </a:p>
@@ -2182,7 +2182,7 @@
           <a:p>
             <a:fld id="{690D8A1E-EA8F-46C1-B891-AE0C00D9C314}" type="datetime1">
               <a:rPr lang="en-US" smtClean="0"/>
-              <a:t>4/12/21</a:t>
+              <a:t>10/25/21</a:t>
             </a:fld>
             <a:endParaRPr lang="en-US"/>
           </a:p>
@@ -2476,7 +2476,7 @@
           <a:p>
             <a:fld id="{D753EFC8-4232-4598-94F6-94C0EBAFC469}" type="datetime1">
               <a:rPr lang="en-US" smtClean="0"/>
-              <a:t>4/12/21</a:t>
+              <a:t>10/25/21</a:t>
             </a:fld>
             <a:endParaRPr lang="en-US"/>
           </a:p>
@@ -2791,7 +2791,7 @@
           <a:p>
             <a:fld id="{F3161074-1C18-4AE7-957D-F18524378C85}" type="datetime1">
               <a:rPr lang="en-US" smtClean="0"/>
-              <a:t>4/12/21</a:t>
+              <a:t>10/25/21</a:t>
             </a:fld>
             <a:endParaRPr lang="en-US"/>
           </a:p>
@@ -3065,7 +3065,7 @@
           <a:p>
             <a:fld id="{69BE256C-8D9A-4404-B47D-41A1AE514425}" type="datetime1">
               <a:rPr lang="en-US" smtClean="0"/>
-              <a:t>4/12/21</a:t>
+              <a:t>10/25/21</a:t>
             </a:fld>
             <a:endParaRPr lang="en-US"/>
           </a:p>
@@ -3499,7 +3499,7 @@
           <a:p>
             <a:fld id="{66CB2154-9035-4012-8189-BAAB61C5A5EE}" type="datetime1">
               <a:rPr lang="en-US" smtClean="0"/>
-              <a:t>4/12/21</a:t>
+              <a:t>10/25/21</a:t>
             </a:fld>
             <a:endParaRPr lang="en-US"/>
           </a:p>
@@ -3673,7 +3673,7 @@
           <a:p>
             <a:fld id="{6700A58B-DD98-43D0-B791-721480A02982}" type="datetime1">
               <a:rPr lang="en-US" smtClean="0"/>
-              <a:t>4/12/21</a:t>
+              <a:t>10/25/21</a:t>
             </a:fld>
             <a:endParaRPr lang="en-US"/>
           </a:p>
@@ -3865,7 +3865,7 @@
           <a:p>
             <a:fld id="{7DB6E382-4F61-4E24-BE1A-377EC83D0E3A}" type="datetime1">
               <a:rPr lang="en-US" smtClean="0"/>
-              <a:t>4/12/21</a:t>
+              <a:t>10/25/21</a:t>
             </a:fld>
             <a:endParaRPr lang="en-US"/>
           </a:p>
@@ -4176,7 +4176,7 @@
           <a:p>
             <a:fld id="{4142EED6-FC16-45B9-B8C4-2BC5DBA88325}" type="datetime1">
               <a:rPr lang="en-US" smtClean="0"/>
-              <a:t>4/12/21</a:t>
+              <a:t>10/25/21</a:t>
             </a:fld>
             <a:endParaRPr lang="en-US"/>
           </a:p>
@@ -4494,7 +4494,7 @@
           <a:p>
             <a:fld id="{DF59512B-4F1D-43D7-8819-2F53FEF69650}" type="datetime1">
               <a:rPr lang="en-US" smtClean="0"/>
-              <a:t>4/12/21</a:t>
+              <a:t>10/25/21</a:t>
             </a:fld>
             <a:endParaRPr lang="en-US"/>
           </a:p>
@@ -4770,7 +4770,7 @@
           <a:p>
             <a:fld id="{08437B94-E2BF-44DC-ADC5-B05FC9934E9D}" type="datetime1">
               <a:rPr lang="en-US" smtClean="0"/>
-              <a:t>4/12/21</a:t>
+              <a:t>10/25/21</a:t>
             </a:fld>
             <a:endParaRPr lang="en-US"/>
           </a:p>
@@ -5290,7 +5290,7 @@
           <a:p>
             <a:fld id="{F3161074-1C18-4AE7-957D-F18524378C85}" type="datetime1">
               <a:rPr lang="en-US" smtClean="0"/>
-              <a:t>4/12/21</a:t>
+              <a:t>10/25/21</a:t>
             </a:fld>
             <a:endParaRPr lang="en-US"/>
           </a:p>
@@ -5406,7 +5406,7 @@
           <a:p>
             <a:fld id="{6700A58B-DD98-43D0-B791-721480A02982}" type="datetime1">
               <a:rPr lang="en-US" smtClean="0"/>
-              <a:t>4/12/21</a:t>
+              <a:t>10/25/21</a:t>
             </a:fld>
             <a:endParaRPr lang="en-US"/>
           </a:p>
@@ -5639,7 +5639,7 @@
           <a:p>
             <a:fld id="{6700A58B-DD98-43D0-B791-721480A02982}" type="datetime1">
               <a:rPr lang="en-US" smtClean="0"/>
-              <a:t>4/12/21</a:t>
+              <a:t>10/25/21</a:t>
             </a:fld>
             <a:endParaRPr lang="en-US"/>
           </a:p>
@@ -5879,7 +5879,7 @@
           <a:p>
             <a:fld id="{6700A58B-DD98-43D0-B791-721480A02982}" type="datetime1">
               <a:rPr lang="en-US" smtClean="0"/>
-              <a:t>4/12/21</a:t>
+              <a:t>10/25/21</a:t>
             </a:fld>
             <a:endParaRPr lang="en-US"/>
           </a:p>
@@ -6326,7 +6326,7 @@
           <a:p>
             <a:fld id="{D753EFC8-4232-4598-94F6-94C0EBAFC469}" type="datetime1">
               <a:rPr lang="en-US" smtClean="0"/>
-              <a:t>4/12/21</a:t>
+              <a:t>10/25/21</a:t>
             </a:fld>
             <a:endParaRPr lang="en-US"/>
           </a:p>
@@ -6865,7 +6865,7 @@
           <a:p>
             <a:fld id="{D753EFC8-4232-4598-94F6-94C0EBAFC469}" type="datetime1">
               <a:rPr lang="en-US" smtClean="0"/>
-              <a:t>4/12/21</a:t>
+              <a:t>10/25/21</a:t>
             </a:fld>
             <a:endParaRPr lang="en-US"/>
           </a:p>
@@ -7319,7 +7319,7 @@
           <a:p>
             <a:fld id="{D753EFC8-4232-4598-94F6-94C0EBAFC469}" type="datetime1">
               <a:rPr lang="en-US" smtClean="0"/>
-              <a:t>4/12/21</a:t>
+              <a:t>10/25/21</a:t>
             </a:fld>
             <a:endParaRPr lang="en-US"/>
           </a:p>
@@ -7773,7 +7773,7 @@
           <a:p>
             <a:fld id="{D753EFC8-4232-4598-94F6-94C0EBAFC469}" type="datetime1">
               <a:rPr lang="en-US" smtClean="0"/>
-              <a:t>4/12/21</a:t>
+              <a:t>10/25/21</a:t>
             </a:fld>
             <a:endParaRPr lang="en-US"/>
           </a:p>
@@ -8233,7 +8233,7 @@
           <a:p>
             <a:fld id="{D753EFC8-4232-4598-94F6-94C0EBAFC469}" type="datetime1">
               <a:rPr lang="en-US" smtClean="0"/>
-              <a:t>4/12/21</a:t>
+              <a:t>10/25/21</a:t>
             </a:fld>
             <a:endParaRPr lang="en-US"/>
           </a:p>
@@ -8340,7 +8340,7 @@
           <a:p>
             <a:fld id="{6700A58B-DD98-43D0-B791-721480A02982}" type="datetime1">
               <a:rPr lang="en-US" smtClean="0"/>
-              <a:t>4/12/21</a:t>
+              <a:t>10/25/21</a:t>
             </a:fld>
             <a:endParaRPr lang="en-US"/>
           </a:p>
@@ -9748,7 +9748,7 @@
           <a:p>
             <a:fld id="{D753EFC8-4232-4598-94F6-94C0EBAFC469}" type="datetime1">
               <a:rPr lang="en-US" smtClean="0"/>
-              <a:t>4/12/21</a:t>
+              <a:t>10/25/21</a:t>
             </a:fld>
             <a:endParaRPr lang="en-US"/>
           </a:p>
@@ -10291,7 +10291,7 @@
           <a:p>
             <a:fld id="{9B19E99B-5349-415A-8E56-8E989211A366}" type="datetime1">
               <a:rPr lang="en-US" smtClean="0"/>
-              <a:t>4/12/21</a:t>
+              <a:t>10/25/21</a:t>
             </a:fld>
             <a:endParaRPr lang="en-US"/>
           </a:p>
@@ -10406,8 +10406,8 @@
         </p:nvSpPr>
         <p:spPr>
           <a:xfrm>
-            <a:off x="628650" y="1111347"/>
-            <a:ext cx="7886700" cy="3303491"/>
+            <a:off x="2250830" y="1998450"/>
+            <a:ext cx="6712267" cy="3303491"/>
           </a:xfrm>
         </p:spPr>
         <p:txBody>
@@ -10492,11 +10492,11 @@
           <p:nvPr/>
         </p:nvGrpSpPr>
         <p:grpSpPr>
-          <a:xfrm>
-            <a:off x="742950" y="3914753"/>
-            <a:ext cx="7562850" cy="1276350"/>
-            <a:chOff x="742950" y="4371968"/>
-            <a:chExt cx="7562850" cy="1276350"/>
+          <a:xfrm rot="5400000">
+            <a:off x="-1226298" y="3141897"/>
+            <a:ext cx="5070649" cy="1358267"/>
+            <a:chOff x="742950" y="4288805"/>
+            <a:chExt cx="7562851" cy="1358267"/>
           </a:xfrm>
         </p:grpSpPr>
         <p:sp>
@@ -10507,7 +10507,7 @@
           </p:nvSpPr>
           <p:spPr>
             <a:xfrm>
-              <a:off x="742950" y="4371968"/>
+              <a:off x="742950" y="5061284"/>
               <a:ext cx="7548563" cy="585788"/>
             </a:xfrm>
             <a:prstGeom prst="rightArrow">
@@ -10556,7 +10556,7 @@
           </p:nvSpPr>
           <p:spPr>
             <a:xfrm>
-              <a:off x="742950" y="5053005"/>
+              <a:off x="742951" y="4293389"/>
               <a:ext cx="7548563" cy="585788"/>
             </a:xfrm>
             <a:prstGeom prst="rightArrow">
@@ -10605,7 +10605,7 @@
           </p:nvSpPr>
           <p:spPr>
             <a:xfrm>
-              <a:off x="5757863" y="5062530"/>
+              <a:off x="5757864" y="4288805"/>
               <a:ext cx="2547937" cy="585788"/>
             </a:xfrm>
             <a:prstGeom prst="rightArrow">
@@ -10653,9 +10653,9 @@
             <p:nvPr/>
           </p:nvSpPr>
           <p:spPr>
-            <a:xfrm rot="10800000">
+            <a:xfrm>
               <a:off x="3569494" y="4872037"/>
-              <a:ext cx="1400175" cy="271463"/>
+              <a:ext cx="1400174" cy="271463"/>
             </a:xfrm>
             <a:prstGeom prst="triangle">
               <a:avLst/>
@@ -10701,8 +10701,8 @@
         </p:nvSpPr>
         <p:spPr>
           <a:xfrm>
-            <a:off x="785813" y="5743574"/>
-            <a:ext cx="7572375" cy="385763"/>
+            <a:off x="2250830" y="5743574"/>
+            <a:ext cx="6712267" cy="385763"/>
           </a:xfrm>
           <a:prstGeom prst="rect">
             <a:avLst/>
@@ -10761,7 +10761,7 @@
           <a:p>
             <a:fld id="{D753EFC8-4232-4598-94F6-94C0EBAFC469}" type="datetime1">
               <a:rPr lang="en-US" smtClean="0"/>
-              <a:t>4/12/21</a:t>
+              <a:t>10/25/21</a:t>
             </a:fld>
             <a:endParaRPr lang="en-US"/>
           </a:p>
@@ -11112,7 +11112,7 @@
           <a:p>
             <a:fld id="{D753EFC8-4232-4598-94F6-94C0EBAFC469}" type="datetime1">
               <a:rPr lang="en-US" smtClean="0"/>
-              <a:t>4/12/21</a:t>
+              <a:t>10/25/21</a:t>
             </a:fld>
             <a:endParaRPr lang="en-US"/>
           </a:p>
@@ -11222,7 +11222,7 @@
           <a:graphicData uri="http://schemas.openxmlformats.org/presentationml/2006/ole">
             <mc:AlternateContent xmlns:mc="http://schemas.openxmlformats.org/markup-compatibility/2006">
               <mc:Choice xmlns:v="urn:schemas-microsoft-com:vml" Requires="v">
-                <p:oleObj spid="_x0000_s3138" name="think-cell Slide" r:id="rId5" imgW="270" imgH="270" progId="TCLayout.ActiveDocument.1">
+                <p:oleObj spid="_x0000_s3139" name="think-cell Slide" r:id="rId5" imgW="270" imgH="270" progId="TCLayout.ActiveDocument.1">
                   <p:embed/>
                 </p:oleObj>
               </mc:Choice>
@@ -11583,7 +11583,7 @@
           <a:p>
             <a:fld id="{D753EFC8-4232-4598-94F6-94C0EBAFC469}" type="datetime1">
               <a:rPr lang="en-US" smtClean="0"/>
-              <a:t>4/12/21</a:t>
+              <a:t>10/25/21</a:t>
             </a:fld>
             <a:endParaRPr lang="en-US"/>
           </a:p>
@@ -11744,7 +11744,7 @@
           <a:p>
             <a:fld id="{D753EFC8-4232-4598-94F6-94C0EBAFC469}" type="datetime1">
               <a:rPr lang="en-US" smtClean="0"/>
-              <a:t>4/12/21</a:t>
+              <a:t>10/25/21</a:t>
             </a:fld>
             <a:endParaRPr lang="en-US"/>
           </a:p>
@@ -11845,7 +11845,7 @@
           <a:graphicData uri="http://schemas.openxmlformats.org/presentationml/2006/ole">
             <mc:AlternateContent xmlns:mc="http://schemas.openxmlformats.org/markup-compatibility/2006">
               <mc:Choice xmlns:v="urn:schemas-microsoft-com:vml" Requires="v">
-                <p:oleObj spid="_x0000_s17469" name="think-cell Slide" r:id="rId5" imgW="270" imgH="270" progId="TCLayout.ActiveDocument.1">
+                <p:oleObj spid="_x0000_s17470" name="think-cell Slide" r:id="rId5" imgW="270" imgH="270" progId="TCLayout.ActiveDocument.1">
                   <p:embed/>
                 </p:oleObj>
               </mc:Choice>
@@ -12041,7 +12041,7 @@
           <a:p>
             <a:fld id="{D753EFC8-4232-4598-94F6-94C0EBAFC469}" type="datetime1">
               <a:rPr lang="en-US" smtClean="0"/>
-              <a:t>4/12/21</a:t>
+              <a:t>10/25/21</a:t>
             </a:fld>
             <a:endParaRPr lang="en-US"/>
           </a:p>
@@ -12103,10 +12103,10 @@
       </p:sp>
       <p:pic>
         <p:nvPicPr>
-          <p:cNvPr id="5" name="Picture 4">
+          <p:cNvPr id="3" name="Picture 2">
             <a:extLst>
               <a:ext uri="{FF2B5EF4-FFF2-40B4-BE49-F238E27FC236}">
-                <a16:creationId xmlns:a16="http://schemas.microsoft.com/office/drawing/2014/main" id="{3B38842B-3EDC-334A-B458-FC85B7717674}"/>
+                <a16:creationId xmlns:a16="http://schemas.microsoft.com/office/drawing/2014/main" id="{92F7419C-30BD-4543-9C4A-F394191670E7}"/>
               </a:ext>
             </a:extLst>
           </p:cNvPr>
@@ -12116,21 +12116,15 @@
           <p:nvPr/>
         </p:nvPicPr>
         <p:blipFill>
-          <a:blip r:embed="rId7">
-            <a:extLst>
-              <a:ext uri="{28A0092B-C50C-407E-A947-70E740481C1C}">
-                <a14:useLocalDpi xmlns:a14="http://schemas.microsoft.com/office/drawing/2010/main" val="0"/>
-              </a:ext>
-            </a:extLst>
-          </a:blip>
+          <a:blip r:embed="rId7"/>
           <a:stretch>
             <a:fillRect/>
           </a:stretch>
         </p:blipFill>
         <p:spPr>
           <a:xfrm>
-            <a:off x="1392701" y="1583717"/>
-            <a:ext cx="6358597" cy="4274156"/>
+            <a:off x="2407076" y="1554644"/>
+            <a:ext cx="4329847" cy="4303229"/>
           </a:xfrm>
           <a:prstGeom prst="rect">
             <a:avLst/>
@@ -12620,7 +12614,7 @@
           <a:p>
             <a:fld id="{9B19E99B-5349-415A-8E56-8E989211A366}" type="datetime1">
               <a:rPr lang="en-US" smtClean="0"/>
-              <a:t>4/12/21</a:t>
+              <a:t>10/25/21</a:t>
             </a:fld>
             <a:endParaRPr lang="en-US"/>
           </a:p>
@@ -12721,7 +12715,7 @@
           <a:graphicData uri="http://schemas.openxmlformats.org/presentationml/2006/ole">
             <mc:AlternateContent xmlns:mc="http://schemas.openxmlformats.org/markup-compatibility/2006">
               <mc:Choice xmlns:v="urn:schemas-microsoft-com:vml" Requires="v">
-                <p:oleObj spid="_x0000_s5186" name="think-cell Slide" r:id="rId5" imgW="270" imgH="270" progId="TCLayout.ActiveDocument.1">
+                <p:oleObj spid="_x0000_s5187" name="think-cell Slide" r:id="rId5" imgW="270" imgH="270" progId="TCLayout.ActiveDocument.1">
                   <p:embed/>
                 </p:oleObj>
               </mc:Choice>
@@ -13567,7 +13561,7 @@
           <a:p>
             <a:fld id="{D753EFC8-4232-4598-94F6-94C0EBAFC469}" type="datetime1">
               <a:rPr lang="en-US" smtClean="0"/>
-              <a:t>4/12/21</a:t>
+              <a:t>10/25/21</a:t>
             </a:fld>
             <a:endParaRPr lang="en-US"/>
           </a:p>
@@ -14079,7 +14073,7 @@
           <a:p>
             <a:fld id="{D753EFC8-4232-4598-94F6-94C0EBAFC469}" type="datetime1">
               <a:rPr lang="en-US" smtClean="0"/>
-              <a:t>4/12/21</a:t>
+              <a:t>10/25/21</a:t>
             </a:fld>
             <a:endParaRPr lang="en-US"/>
           </a:p>
@@ -14208,7 +14202,7 @@
           <a:p>
             <a:fld id="{D753EFC8-4232-4598-94F6-94C0EBAFC469}" type="datetime1">
               <a:rPr lang="en-US" smtClean="0"/>
-              <a:t>4/12/21</a:t>
+              <a:t>10/25/21</a:t>
             </a:fld>
             <a:endParaRPr lang="en-US"/>
           </a:p>
@@ -14537,7 +14531,7 @@
           <a:p>
             <a:fld id="{D753EFC8-4232-4598-94F6-94C0EBAFC469}" type="datetime1">
               <a:rPr lang="en-US" smtClean="0"/>
-              <a:t>4/12/21</a:t>
+              <a:t>10/25/21</a:t>
             </a:fld>
             <a:endParaRPr lang="en-US"/>
           </a:p>
@@ -14803,7 +14797,7 @@
           <a:p>
             <a:fld id="{6700A58B-DD98-43D0-B791-721480A02982}" type="datetime1">
               <a:rPr lang="en-US" smtClean="0"/>
-              <a:t>4/12/21</a:t>
+              <a:t>10/25/21</a:t>
             </a:fld>
             <a:endParaRPr lang="en-US"/>
           </a:p>
@@ -15253,7 +15247,7 @@
           <a:p>
             <a:fld id="{D753EFC8-4232-4598-94F6-94C0EBAFC469}" type="datetime1">
               <a:rPr lang="en-US" smtClean="0"/>
-              <a:t>4/12/21</a:t>
+              <a:t>10/25/21</a:t>
             </a:fld>
             <a:endParaRPr lang="en-US"/>
           </a:p>
@@ -15476,7 +15470,7 @@
           <a:p>
             <a:fld id="{D753EFC8-4232-4598-94F6-94C0EBAFC469}" type="datetime1">
               <a:rPr lang="en-US" smtClean="0"/>
-              <a:t>4/12/21</a:t>
+              <a:t>10/25/21</a:t>
             </a:fld>
             <a:endParaRPr lang="en-US"/>
           </a:p>
@@ -15696,7 +15690,7 @@
           <a:p>
             <a:fld id="{D753EFC8-4232-4598-94F6-94C0EBAFC469}" type="datetime1">
               <a:rPr lang="en-US" smtClean="0"/>
-              <a:t>4/12/21</a:t>
+              <a:t>10/25/21</a:t>
             </a:fld>
             <a:endParaRPr lang="en-US"/>
           </a:p>
@@ -16143,7 +16137,7 @@
           <a:p>
             <a:fld id="{D753EFC8-4232-4598-94F6-94C0EBAFC469}" type="datetime1">
               <a:rPr lang="en-US" smtClean="0"/>
-              <a:t>4/12/21</a:t>
+              <a:t>10/25/21</a:t>
             </a:fld>
             <a:endParaRPr lang="en-US"/>
           </a:p>
@@ -16531,7 +16525,7 @@
           <a:p>
             <a:fld id="{D753EFC8-4232-4598-94F6-94C0EBAFC469}" type="datetime1">
               <a:rPr lang="en-US" smtClean="0"/>
-              <a:t>4/12/21</a:t>
+              <a:t>10/25/21</a:t>
             </a:fld>
             <a:endParaRPr lang="en-US"/>
           </a:p>
@@ -17036,7 +17030,7 @@
           <a:p>
             <a:fld id="{D753EFC8-4232-4598-94F6-94C0EBAFC469}" type="datetime1">
               <a:rPr lang="en-US" smtClean="0"/>
-              <a:t>4/12/21</a:t>
+              <a:t>10/25/21</a:t>
             </a:fld>
             <a:endParaRPr lang="en-US"/>
           </a:p>
@@ -17382,7 +17376,7 @@
           <a:p>
             <a:fld id="{D753EFC8-4232-4598-94F6-94C0EBAFC469}" type="datetime1">
               <a:rPr lang="en-US" smtClean="0"/>
-              <a:t>4/12/21</a:t>
+              <a:t>10/25/21</a:t>
             </a:fld>
             <a:endParaRPr lang="en-US"/>
           </a:p>
@@ -17832,6 +17826,58 @@
           </a:fontRef>
         </p:style>
       </p:cxnSp>
+      <p:sp>
+        <p:nvSpPr>
+          <p:cNvPr id="3" name="Rectangle 2">
+            <a:extLst>
+              <a:ext uri="{FF2B5EF4-FFF2-40B4-BE49-F238E27FC236}">
+                <a16:creationId xmlns:a16="http://schemas.microsoft.com/office/drawing/2014/main" id="{3F8539F6-7B88-AB47-B178-13E7D711B65C}"/>
+              </a:ext>
+            </a:extLst>
+          </p:cNvPr>
+          <p:cNvSpPr/>
+          <p:nvPr/>
+        </p:nvSpPr>
+        <p:spPr>
+          <a:xfrm>
+            <a:off x="5757863" y="3981157"/>
+            <a:ext cx="924291" cy="1084944"/>
+          </a:xfrm>
+          <a:prstGeom prst="rect">
+            <a:avLst/>
+          </a:prstGeom>
+          <a:noFill/>
+          <a:ln>
+            <a:solidFill>
+              <a:schemeClr val="accent1"/>
+            </a:solidFill>
+          </a:ln>
+        </p:spPr>
+        <p:style>
+          <a:lnRef idx="2">
+            <a:schemeClr val="accent1">
+              <a:shade val="50000"/>
+            </a:schemeClr>
+          </a:lnRef>
+          <a:fillRef idx="1">
+            <a:schemeClr val="accent1"/>
+          </a:fillRef>
+          <a:effectRef idx="0">
+            <a:schemeClr val="accent1"/>
+          </a:effectRef>
+          <a:fontRef idx="minor">
+            <a:schemeClr val="lt1"/>
+          </a:fontRef>
+        </p:style>
+        <p:txBody>
+          <a:bodyPr rtlCol="0" anchor="ctr"/>
+          <a:lstStyle/>
+          <a:p>
+            <a:pPr algn="ctr"/>
+            <a:endParaRPr lang="en-US"/>
+          </a:p>
+        </p:txBody>
+      </p:sp>
     </p:spTree>
     <p:extLst>
       <p:ext uri="{BB962C8B-B14F-4D97-AF65-F5344CB8AC3E}">
@@ -17925,7 +17971,7 @@
           <a:p>
             <a:fld id="{D753EFC8-4232-4598-94F6-94C0EBAFC469}" type="datetime1">
               <a:rPr lang="en-US" smtClean="0"/>
-              <a:t>4/12/21</a:t>
+              <a:t>10/25/21</a:t>
             </a:fld>
             <a:endParaRPr lang="en-US"/>
           </a:p>
@@ -18459,7 +18505,7 @@
           <a:p>
             <a:fld id="{9B19E99B-5349-415A-8E56-8E989211A366}" type="datetime1">
               <a:rPr lang="en-US" smtClean="0"/>
-              <a:t>4/12/21</a:t>
+              <a:t>10/25/21</a:t>
             </a:fld>
             <a:endParaRPr lang="en-US"/>
           </a:p>
@@ -18627,7 +18673,7 @@
           <a:p>
             <a:fld id="{D753EFC8-4232-4598-94F6-94C0EBAFC469}" type="datetime1">
               <a:rPr lang="en-US" smtClean="0"/>
-              <a:t>4/12/21</a:t>
+              <a:t>10/25/21</a:t>
             </a:fld>
             <a:endParaRPr lang="en-US"/>
           </a:p>
@@ -19001,7 +19047,7 @@
           <a:p>
             <a:fld id="{6700A58B-DD98-43D0-B791-721480A02982}" type="datetime1">
               <a:rPr lang="en-US" smtClean="0"/>
-              <a:t>4/12/21</a:t>
+              <a:t>10/25/21</a:t>
             </a:fld>
             <a:endParaRPr lang="en-US"/>
           </a:p>
@@ -19522,7 +19568,7 @@
           <a:p>
             <a:fld id="{D753EFC8-4232-4598-94F6-94C0EBAFC469}" type="datetime1">
               <a:rPr lang="en-US" smtClean="0"/>
-              <a:t>4/12/21</a:t>
+              <a:t>10/25/21</a:t>
             </a:fld>
             <a:endParaRPr lang="en-US"/>
           </a:p>
@@ -19914,7 +19960,7 @@
           <a:p>
             <a:fld id="{D753EFC8-4232-4598-94F6-94C0EBAFC469}" type="datetime1">
               <a:rPr lang="en-US" smtClean="0"/>
-              <a:t>4/12/21</a:t>
+              <a:t>10/25/21</a:t>
             </a:fld>
             <a:endParaRPr lang="en-US"/>
           </a:p>
@@ -20445,7 +20491,7 @@
           <a:p>
             <a:fld id="{D753EFC8-4232-4598-94F6-94C0EBAFC469}" type="datetime1">
               <a:rPr lang="en-US" smtClean="0"/>
-              <a:t>4/12/21</a:t>
+              <a:t>10/25/21</a:t>
             </a:fld>
             <a:endParaRPr lang="en-US"/>
           </a:p>
@@ -20735,7 +20781,7 @@
           <a:p>
             <a:fld id="{D753EFC8-4232-4598-94F6-94C0EBAFC469}" type="datetime1">
               <a:rPr lang="en-US" smtClean="0"/>
-              <a:t>4/12/21</a:t>
+              <a:t>10/25/21</a:t>
             </a:fld>
             <a:endParaRPr lang="en-US"/>
           </a:p>
@@ -21025,7 +21071,7 @@
           <a:p>
             <a:fld id="{D753EFC8-4232-4598-94F6-94C0EBAFC469}" type="datetime1">
               <a:rPr lang="en-US" smtClean="0"/>
-              <a:t>4/12/21</a:t>
+              <a:t>10/25/21</a:t>
             </a:fld>
             <a:endParaRPr lang="en-US"/>
           </a:p>
@@ -21405,7 +21451,7 @@
           <a:p>
             <a:fld id="{D753EFC8-4232-4598-94F6-94C0EBAFC469}" type="datetime1">
               <a:rPr lang="en-US" smtClean="0"/>
-              <a:t>4/12/21</a:t>
+              <a:t>10/25/21</a:t>
             </a:fld>
             <a:endParaRPr lang="en-US"/>
           </a:p>
@@ -21670,7 +21716,7 @@
           <a:p>
             <a:fld id="{D753EFC8-4232-4598-94F6-94C0EBAFC469}" type="datetime1">
               <a:rPr lang="en-US" smtClean="0"/>
-              <a:t>4/12/21</a:t>
+              <a:t>10/25/21</a:t>
             </a:fld>
             <a:endParaRPr lang="en-US"/>
           </a:p>
@@ -22204,7 +22250,7 @@
           <a:p>
             <a:fld id="{9B19E99B-5349-415A-8E56-8E989211A366}" type="datetime1">
               <a:rPr lang="en-US" smtClean="0"/>
-              <a:t>4/12/21</a:t>
+              <a:t>10/25/21</a:t>
             </a:fld>
             <a:endParaRPr lang="en-US"/>
           </a:p>
@@ -22324,7 +22370,7 @@
           <a:p>
             <a:fld id="{D753EFC8-4232-4598-94F6-94C0EBAFC469}" type="datetime1">
               <a:rPr lang="en-US" smtClean="0"/>
-              <a:t>4/12/21</a:t>
+              <a:t>10/25/21</a:t>
             </a:fld>
             <a:endParaRPr lang="en-US"/>
           </a:p>
@@ -23041,7 +23087,7 @@
           <a:p>
             <a:fld id="{D753EFC8-4232-4598-94F6-94C0EBAFC469}" type="datetime1">
               <a:rPr lang="en-US" smtClean="0"/>
-              <a:t>4/12/21</a:t>
+              <a:t>10/25/21</a:t>
             </a:fld>
             <a:endParaRPr lang="en-US"/>
           </a:p>
@@ -23977,7 +24023,7 @@
           <a:p>
             <a:fld id="{6700A58B-DD98-43D0-B791-721480A02982}" type="datetime1">
               <a:rPr lang="en-US" smtClean="0"/>
-              <a:t>4/12/21</a:t>
+              <a:t>10/25/21</a:t>
             </a:fld>
             <a:endParaRPr lang="en-US"/>
           </a:p>
@@ -24480,7 +24526,7 @@
           <a:p>
             <a:fld id="{D753EFC8-4232-4598-94F6-94C0EBAFC469}" type="datetime1">
               <a:rPr lang="en-US" smtClean="0"/>
-              <a:t>4/12/21</a:t>
+              <a:t>10/25/21</a:t>
             </a:fld>
             <a:endParaRPr lang="en-US"/>
           </a:p>
@@ -25478,7 +25524,7 @@
           <a:p>
             <a:fld id="{D753EFC8-4232-4598-94F6-94C0EBAFC469}" type="datetime1">
               <a:rPr lang="en-US" smtClean="0"/>
-              <a:t>4/12/21</a:t>
+              <a:t>10/25/21</a:t>
             </a:fld>
             <a:endParaRPr lang="en-US"/>
           </a:p>
@@ -25775,7 +25821,7 @@
           <a:p>
             <a:fld id="{D753EFC8-4232-4598-94F6-94C0EBAFC469}" type="datetime1">
               <a:rPr lang="en-US" smtClean="0"/>
-              <a:t>4/12/21</a:t>
+              <a:t>10/25/21</a:t>
             </a:fld>
             <a:endParaRPr lang="en-US"/>
           </a:p>
@@ -25960,7 +26006,7 @@
           <a:graphicData uri="http://schemas.openxmlformats.org/presentationml/2006/ole">
             <mc:AlternateContent xmlns:mc="http://schemas.openxmlformats.org/markup-compatibility/2006">
               <mc:Choice xmlns:v="urn:schemas-microsoft-com:vml" Requires="v">
-                <p:oleObj spid="_x0000_s13374" name="think-cell Slide" r:id="rId5" imgW="270" imgH="270" progId="TCLayout.ActiveDocument.1">
+                <p:oleObj spid="_x0000_s13375" name="think-cell Slide" r:id="rId5" imgW="270" imgH="270" progId="TCLayout.ActiveDocument.1">
                   <p:embed/>
                 </p:oleObj>
               </mc:Choice>
@@ -26712,7 +26758,7 @@
           <a:p>
             <a:fld id="{D753EFC8-4232-4598-94F6-94C0EBAFC469}" type="datetime1">
               <a:rPr lang="en-US" smtClean="0"/>
-              <a:t>4/12/21</a:t>
+              <a:t>10/25/21</a:t>
             </a:fld>
             <a:endParaRPr lang="en-US"/>
           </a:p>
@@ -26957,7 +27003,7 @@
           <a:p>
             <a:fld id="{6700A58B-DD98-43D0-B791-721480A02982}" type="datetime1">
               <a:rPr lang="en-US" smtClean="0"/>
-              <a:t>4/12/21</a:t>
+              <a:t>10/25/21</a:t>
             </a:fld>
             <a:endParaRPr lang="en-US"/>
           </a:p>
@@ -27476,7 +27522,7 @@
           <a:p>
             <a:fld id="{6700A58B-DD98-43D0-B791-721480A02982}" type="datetime1">
               <a:rPr lang="en-US" smtClean="0"/>
-              <a:t>4/12/21</a:t>
+              <a:t>10/25/21</a:t>
             </a:fld>
             <a:endParaRPr lang="en-US"/>
           </a:p>
@@ -28656,7 +28702,7 @@
           <a:p>
             <a:fld id="{6700A58B-DD98-43D0-B791-721480A02982}" type="datetime1">
               <a:rPr lang="en-US" smtClean="0"/>
-              <a:t>4/12/21</a:t>
+              <a:t>10/25/21</a:t>
             </a:fld>
             <a:endParaRPr lang="en-US"/>
           </a:p>

--- a/Lessons/G_RF_TimeSeries/TimeSeries.pptx
+++ b/Lessons/G_RF_TimeSeries/TimeSeries.pptx
@@ -254,7 +254,7 @@
           <a:p>
             <a:fld id="{C63082B1-427E-41DB-ABE5-DAB9BFFC394E}" type="datetimeFigureOut">
               <a:rPr lang="en-US" smtClean="0"/>
-              <a:t>10/25/21</a:t>
+              <a:t>3/21/22</a:t>
             </a:fld>
             <a:endParaRPr lang="en-US"/>
           </a:p>
@@ -419,7 +419,7 @@
           <a:p>
             <a:fld id="{C333ABA6-B72D-4ED4-A6E7-13A0DAE65F1A}" type="datetimeFigureOut">
               <a:rPr lang="en-US" smtClean="0"/>
-              <a:t>10/25/21</a:t>
+              <a:t>3/21/22</a:t>
             </a:fld>
             <a:endParaRPr lang="en-US"/>
           </a:p>
@@ -1704,7 +1704,7 @@
           <a:p>
             <a:fld id="{5738B90E-0779-4C36-915C-6F05FCD89456}" type="datetime1">
               <a:rPr lang="en-US" smtClean="0"/>
-              <a:t>10/25/21</a:t>
+              <a:t>3/21/22</a:t>
             </a:fld>
             <a:endParaRPr lang="en-US"/>
           </a:p>
@@ -1922,7 +1922,7 @@
           <a:p>
             <a:fld id="{7B9EA29D-D431-42FE-B7B6-AAE4454C77D3}" type="datetime1">
               <a:rPr lang="en-US" smtClean="0"/>
-              <a:t>10/25/21</a:t>
+              <a:t>3/21/22</a:t>
             </a:fld>
             <a:endParaRPr lang="en-US"/>
           </a:p>
@@ -2182,7 +2182,7 @@
           <a:p>
             <a:fld id="{690D8A1E-EA8F-46C1-B891-AE0C00D9C314}" type="datetime1">
               <a:rPr lang="en-US" smtClean="0"/>
-              <a:t>10/25/21</a:t>
+              <a:t>3/21/22</a:t>
             </a:fld>
             <a:endParaRPr lang="en-US"/>
           </a:p>
@@ -2476,7 +2476,7 @@
           <a:p>
             <a:fld id="{D753EFC8-4232-4598-94F6-94C0EBAFC469}" type="datetime1">
               <a:rPr lang="en-US" smtClean="0"/>
-              <a:t>10/25/21</a:t>
+              <a:t>3/21/22</a:t>
             </a:fld>
             <a:endParaRPr lang="en-US"/>
           </a:p>
@@ -2791,7 +2791,7 @@
           <a:p>
             <a:fld id="{F3161074-1C18-4AE7-957D-F18524378C85}" type="datetime1">
               <a:rPr lang="en-US" smtClean="0"/>
-              <a:t>10/25/21</a:t>
+              <a:t>3/21/22</a:t>
             </a:fld>
             <a:endParaRPr lang="en-US"/>
           </a:p>
@@ -3065,7 +3065,7 @@
           <a:p>
             <a:fld id="{69BE256C-8D9A-4404-B47D-41A1AE514425}" type="datetime1">
               <a:rPr lang="en-US" smtClean="0"/>
-              <a:t>10/25/21</a:t>
+              <a:t>3/21/22</a:t>
             </a:fld>
             <a:endParaRPr lang="en-US"/>
           </a:p>
@@ -3499,7 +3499,7 @@
           <a:p>
             <a:fld id="{66CB2154-9035-4012-8189-BAAB61C5A5EE}" type="datetime1">
               <a:rPr lang="en-US" smtClean="0"/>
-              <a:t>10/25/21</a:t>
+              <a:t>3/21/22</a:t>
             </a:fld>
             <a:endParaRPr lang="en-US"/>
           </a:p>
@@ -3673,7 +3673,7 @@
           <a:p>
             <a:fld id="{6700A58B-DD98-43D0-B791-721480A02982}" type="datetime1">
               <a:rPr lang="en-US" smtClean="0"/>
-              <a:t>10/25/21</a:t>
+              <a:t>3/21/22</a:t>
             </a:fld>
             <a:endParaRPr lang="en-US"/>
           </a:p>
@@ -3865,7 +3865,7 @@
           <a:p>
             <a:fld id="{7DB6E382-4F61-4E24-BE1A-377EC83D0E3A}" type="datetime1">
               <a:rPr lang="en-US" smtClean="0"/>
-              <a:t>10/25/21</a:t>
+              <a:t>3/21/22</a:t>
             </a:fld>
             <a:endParaRPr lang="en-US"/>
           </a:p>
@@ -4176,7 +4176,7 @@
           <a:p>
             <a:fld id="{4142EED6-FC16-45B9-B8C4-2BC5DBA88325}" type="datetime1">
               <a:rPr lang="en-US" smtClean="0"/>
-              <a:t>10/25/21</a:t>
+              <a:t>3/21/22</a:t>
             </a:fld>
             <a:endParaRPr lang="en-US"/>
           </a:p>
@@ -4494,7 +4494,7 @@
           <a:p>
             <a:fld id="{DF59512B-4F1D-43D7-8819-2F53FEF69650}" type="datetime1">
               <a:rPr lang="en-US" smtClean="0"/>
-              <a:t>10/25/21</a:t>
+              <a:t>3/21/22</a:t>
             </a:fld>
             <a:endParaRPr lang="en-US"/>
           </a:p>
@@ -4770,7 +4770,7 @@
           <a:p>
             <a:fld id="{08437B94-E2BF-44DC-ADC5-B05FC9934E9D}" type="datetime1">
               <a:rPr lang="en-US" smtClean="0"/>
-              <a:t>10/25/21</a:t>
+              <a:t>3/21/22</a:t>
             </a:fld>
             <a:endParaRPr lang="en-US"/>
           </a:p>
@@ -5290,7 +5290,7 @@
           <a:p>
             <a:fld id="{F3161074-1C18-4AE7-957D-F18524378C85}" type="datetime1">
               <a:rPr lang="en-US" smtClean="0"/>
-              <a:t>10/25/21</a:t>
+              <a:t>3/21/22</a:t>
             </a:fld>
             <a:endParaRPr lang="en-US"/>
           </a:p>
@@ -5406,7 +5406,7 @@
           <a:p>
             <a:fld id="{6700A58B-DD98-43D0-B791-721480A02982}" type="datetime1">
               <a:rPr lang="en-US" smtClean="0"/>
-              <a:t>10/25/21</a:t>
+              <a:t>3/21/22</a:t>
             </a:fld>
             <a:endParaRPr lang="en-US"/>
           </a:p>
@@ -5639,7 +5639,7 @@
           <a:p>
             <a:fld id="{6700A58B-DD98-43D0-B791-721480A02982}" type="datetime1">
               <a:rPr lang="en-US" smtClean="0"/>
-              <a:t>10/25/21</a:t>
+              <a:t>3/21/22</a:t>
             </a:fld>
             <a:endParaRPr lang="en-US"/>
           </a:p>
@@ -5879,7 +5879,7 @@
           <a:p>
             <a:fld id="{6700A58B-DD98-43D0-B791-721480A02982}" type="datetime1">
               <a:rPr lang="en-US" smtClean="0"/>
-              <a:t>10/25/21</a:t>
+              <a:t>3/21/22</a:t>
             </a:fld>
             <a:endParaRPr lang="en-US"/>
           </a:p>
@@ -6223,7 +6223,7 @@
             </a:pPr>
             <a:r>
               <a:rPr lang="en-US" b="1" dirty="0"/>
-              <a:t>Seasonality* appears:</a:t>
+              <a:t>Seasonality* appears when zoomed in:</a:t>
             </a:r>
           </a:p>
           <a:p>
@@ -6326,7 +6326,7 @@
           <a:p>
             <a:fld id="{D753EFC8-4232-4598-94F6-94C0EBAFC469}" type="datetime1">
               <a:rPr lang="en-US" smtClean="0"/>
-              <a:t>10/25/21</a:t>
+              <a:t>3/21/22</a:t>
             </a:fld>
             <a:endParaRPr lang="en-US"/>
           </a:p>
@@ -6865,7 +6865,7 @@
           <a:p>
             <a:fld id="{D753EFC8-4232-4598-94F6-94C0EBAFC469}" type="datetime1">
               <a:rPr lang="en-US" smtClean="0"/>
-              <a:t>10/25/21</a:t>
+              <a:t>3/21/22</a:t>
             </a:fld>
             <a:endParaRPr lang="en-US"/>
           </a:p>
@@ -7319,7 +7319,7 @@
           <a:p>
             <a:fld id="{D753EFC8-4232-4598-94F6-94C0EBAFC469}" type="datetime1">
               <a:rPr lang="en-US" smtClean="0"/>
-              <a:t>10/25/21</a:t>
+              <a:t>3/21/22</a:t>
             </a:fld>
             <a:endParaRPr lang="en-US"/>
           </a:p>
@@ -7379,6 +7379,100 @@
           </a:p>
         </p:txBody>
       </p:sp>
+      <p:sp>
+        <p:nvSpPr>
+          <p:cNvPr id="18" name="Rectangle 17">
+            <a:extLst>
+              <a:ext uri="{FF2B5EF4-FFF2-40B4-BE49-F238E27FC236}">
+                <a16:creationId xmlns:a16="http://schemas.microsoft.com/office/drawing/2014/main" id="{DD56A4AD-7DD2-D241-95BF-48B926EAF072}"/>
+              </a:ext>
+            </a:extLst>
+          </p:cNvPr>
+          <p:cNvSpPr/>
+          <p:nvPr/>
+        </p:nvSpPr>
+        <p:spPr>
+          <a:xfrm>
+            <a:off x="7184342" y="1995224"/>
+            <a:ext cx="332244" cy="363549"/>
+          </a:xfrm>
+          <a:prstGeom prst="rect">
+            <a:avLst/>
+          </a:prstGeom>
+          <a:noFill/>
+          <a:ln w="57150">
+            <a:solidFill>
+              <a:schemeClr val="accent6"/>
+            </a:solidFill>
+          </a:ln>
+        </p:spPr>
+        <p:style>
+          <a:lnRef idx="2">
+            <a:schemeClr val="accent1">
+              <a:shade val="50000"/>
+            </a:schemeClr>
+          </a:lnRef>
+          <a:fillRef idx="1">
+            <a:schemeClr val="accent1"/>
+          </a:fillRef>
+          <a:effectRef idx="0">
+            <a:schemeClr val="accent1"/>
+          </a:effectRef>
+          <a:fontRef idx="minor">
+            <a:schemeClr val="lt1"/>
+          </a:fontRef>
+        </p:style>
+        <p:txBody>
+          <a:bodyPr rtlCol="0" anchor="ctr"/>
+          <a:lstStyle/>
+          <a:p>
+            <a:pPr algn="ctr"/>
+            <a:endParaRPr lang="en-US"/>
+          </a:p>
+        </p:txBody>
+      </p:sp>
+      <p:cxnSp>
+        <p:nvCxnSpPr>
+          <p:cNvPr id="19" name="Straight Arrow Connector 18">
+            <a:extLst>
+              <a:ext uri="{FF2B5EF4-FFF2-40B4-BE49-F238E27FC236}">
+                <a16:creationId xmlns:a16="http://schemas.microsoft.com/office/drawing/2014/main" id="{0D37615B-BB2E-7147-856A-4B884392D9E9}"/>
+              </a:ext>
+            </a:extLst>
+          </p:cNvPr>
+          <p:cNvCxnSpPr>
+            <a:cxnSpLocks/>
+            <a:endCxn id="18" idx="2"/>
+          </p:cNvCxnSpPr>
+          <p:nvPr/>
+        </p:nvCxnSpPr>
+        <p:spPr>
+          <a:xfrm flipV="1">
+            <a:off x="4712677" y="2358773"/>
+            <a:ext cx="2637787" cy="3509464"/>
+          </a:xfrm>
+          <a:prstGeom prst="straightConnector1">
+            <a:avLst/>
+          </a:prstGeom>
+          <a:ln>
+            <a:tailEnd type="triangle"/>
+          </a:ln>
+        </p:spPr>
+        <p:style>
+          <a:lnRef idx="1">
+            <a:schemeClr val="accent1"/>
+          </a:lnRef>
+          <a:fillRef idx="0">
+            <a:schemeClr val="accent1"/>
+          </a:fillRef>
+          <a:effectRef idx="0">
+            <a:schemeClr val="accent1"/>
+          </a:effectRef>
+          <a:fontRef idx="minor">
+            <a:schemeClr val="tx1"/>
+          </a:fontRef>
+        </p:style>
+      </p:cxnSp>
     </p:spTree>
     <p:extLst>
       <p:ext uri="{BB962C8B-B14F-4D97-AF65-F5344CB8AC3E}">
@@ -7773,7 +7867,7 @@
           <a:p>
             <a:fld id="{D753EFC8-4232-4598-94F6-94C0EBAFC469}" type="datetime1">
               <a:rPr lang="en-US" smtClean="0"/>
-              <a:t>10/25/21</a:t>
+              <a:t>3/21/22</a:t>
             </a:fld>
             <a:endParaRPr lang="en-US"/>
           </a:p>
@@ -8233,7 +8327,7 @@
           <a:p>
             <a:fld id="{D753EFC8-4232-4598-94F6-94C0EBAFC469}" type="datetime1">
               <a:rPr lang="en-US" smtClean="0"/>
-              <a:t>10/25/21</a:t>
+              <a:t>3/21/22</a:t>
             </a:fld>
             <a:endParaRPr lang="en-US"/>
           </a:p>
@@ -8340,7 +8434,7 @@
           <a:p>
             <a:fld id="{6700A58B-DD98-43D0-B791-721480A02982}" type="datetime1">
               <a:rPr lang="en-US" smtClean="0"/>
-              <a:t>10/25/21</a:t>
+              <a:t>3/21/22</a:t>
             </a:fld>
             <a:endParaRPr lang="en-US"/>
           </a:p>
@@ -9748,7 +9842,7 @@
           <a:p>
             <a:fld id="{D753EFC8-4232-4598-94F6-94C0EBAFC469}" type="datetime1">
               <a:rPr lang="en-US" smtClean="0"/>
-              <a:t>10/25/21</a:t>
+              <a:t>3/21/22</a:t>
             </a:fld>
             <a:endParaRPr lang="en-US"/>
           </a:p>
@@ -10291,7 +10385,7 @@
           <a:p>
             <a:fld id="{9B19E99B-5349-415A-8E56-8E989211A366}" type="datetime1">
               <a:rPr lang="en-US" smtClean="0"/>
-              <a:t>10/25/21</a:t>
+              <a:t>3/21/22</a:t>
             </a:fld>
             <a:endParaRPr lang="en-US"/>
           </a:p>
@@ -10761,7 +10855,7 @@
           <a:p>
             <a:fld id="{D753EFC8-4232-4598-94F6-94C0EBAFC469}" type="datetime1">
               <a:rPr lang="en-US" smtClean="0"/>
-              <a:t>10/25/21</a:t>
+              <a:t>3/21/22</a:t>
             </a:fld>
             <a:endParaRPr lang="en-US"/>
           </a:p>
@@ -11112,7 +11206,7 @@
           <a:p>
             <a:fld id="{D753EFC8-4232-4598-94F6-94C0EBAFC469}" type="datetime1">
               <a:rPr lang="en-US" smtClean="0"/>
-              <a:t>10/25/21</a:t>
+              <a:t>3/21/22</a:t>
             </a:fld>
             <a:endParaRPr lang="en-US"/>
           </a:p>
@@ -11222,7 +11316,7 @@
           <a:graphicData uri="http://schemas.openxmlformats.org/presentationml/2006/ole">
             <mc:AlternateContent xmlns:mc="http://schemas.openxmlformats.org/markup-compatibility/2006">
               <mc:Choice xmlns:v="urn:schemas-microsoft-com:vml" Requires="v">
-                <p:oleObj spid="_x0000_s3139" name="think-cell Slide" r:id="rId5" imgW="270" imgH="270" progId="TCLayout.ActiveDocument.1">
+                <p:oleObj spid="_x0000_s3140" name="think-cell Slide" r:id="rId5" imgW="270" imgH="270" progId="TCLayout.ActiveDocument.1">
                   <p:embed/>
                 </p:oleObj>
               </mc:Choice>
@@ -11583,7 +11677,7 @@
           <a:p>
             <a:fld id="{D753EFC8-4232-4598-94F6-94C0EBAFC469}" type="datetime1">
               <a:rPr lang="en-US" smtClean="0"/>
-              <a:t>10/25/21</a:t>
+              <a:t>3/21/22</a:t>
             </a:fld>
             <a:endParaRPr lang="en-US"/>
           </a:p>
@@ -11744,7 +11838,7 @@
           <a:p>
             <a:fld id="{D753EFC8-4232-4598-94F6-94C0EBAFC469}" type="datetime1">
               <a:rPr lang="en-US" smtClean="0"/>
-              <a:t>10/25/21</a:t>
+              <a:t>3/21/22</a:t>
             </a:fld>
             <a:endParaRPr lang="en-US"/>
           </a:p>
@@ -11845,7 +11939,7 @@
           <a:graphicData uri="http://schemas.openxmlformats.org/presentationml/2006/ole">
             <mc:AlternateContent xmlns:mc="http://schemas.openxmlformats.org/markup-compatibility/2006">
               <mc:Choice xmlns:v="urn:schemas-microsoft-com:vml" Requires="v">
-                <p:oleObj spid="_x0000_s17470" name="think-cell Slide" r:id="rId5" imgW="270" imgH="270" progId="TCLayout.ActiveDocument.1">
+                <p:oleObj spid="_x0000_s17471" name="think-cell Slide" r:id="rId5" imgW="270" imgH="270" progId="TCLayout.ActiveDocument.1">
                   <p:embed/>
                 </p:oleObj>
               </mc:Choice>
@@ -12041,7 +12135,7 @@
           <a:p>
             <a:fld id="{D753EFC8-4232-4598-94F6-94C0EBAFC469}" type="datetime1">
               <a:rPr lang="en-US" smtClean="0"/>
-              <a:t>10/25/21</a:t>
+              <a:t>3/21/22</a:t>
             </a:fld>
             <a:endParaRPr lang="en-US"/>
           </a:p>
@@ -12614,7 +12708,7 @@
           <a:p>
             <a:fld id="{9B19E99B-5349-415A-8E56-8E989211A366}" type="datetime1">
               <a:rPr lang="en-US" smtClean="0"/>
-              <a:t>10/25/21</a:t>
+              <a:t>3/21/22</a:t>
             </a:fld>
             <a:endParaRPr lang="en-US"/>
           </a:p>
@@ -12715,7 +12809,7 @@
           <a:graphicData uri="http://schemas.openxmlformats.org/presentationml/2006/ole">
             <mc:AlternateContent xmlns:mc="http://schemas.openxmlformats.org/markup-compatibility/2006">
               <mc:Choice xmlns:v="urn:schemas-microsoft-com:vml" Requires="v">
-                <p:oleObj spid="_x0000_s5187" name="think-cell Slide" r:id="rId5" imgW="270" imgH="270" progId="TCLayout.ActiveDocument.1">
+                <p:oleObj spid="_x0000_s5188" name="think-cell Slide" r:id="rId5" imgW="270" imgH="270" progId="TCLayout.ActiveDocument.1">
                   <p:embed/>
                 </p:oleObj>
               </mc:Choice>
@@ -13561,7 +13655,7 @@
           <a:p>
             <a:fld id="{D753EFC8-4232-4598-94F6-94C0EBAFC469}" type="datetime1">
               <a:rPr lang="en-US" smtClean="0"/>
-              <a:t>10/25/21</a:t>
+              <a:t>3/21/22</a:t>
             </a:fld>
             <a:endParaRPr lang="en-US"/>
           </a:p>
@@ -14073,7 +14167,7 @@
           <a:p>
             <a:fld id="{D753EFC8-4232-4598-94F6-94C0EBAFC469}" type="datetime1">
               <a:rPr lang="en-US" smtClean="0"/>
-              <a:t>10/25/21</a:t>
+              <a:t>3/21/22</a:t>
             </a:fld>
             <a:endParaRPr lang="en-US"/>
           </a:p>
@@ -14202,7 +14296,7 @@
           <a:p>
             <a:fld id="{D753EFC8-4232-4598-94F6-94C0EBAFC469}" type="datetime1">
               <a:rPr lang="en-US" smtClean="0"/>
-              <a:t>10/25/21</a:t>
+              <a:t>3/21/22</a:t>
             </a:fld>
             <a:endParaRPr lang="en-US"/>
           </a:p>
@@ -14531,7 +14625,7 @@
           <a:p>
             <a:fld id="{D753EFC8-4232-4598-94F6-94C0EBAFC469}" type="datetime1">
               <a:rPr lang="en-US" smtClean="0"/>
-              <a:t>10/25/21</a:t>
+              <a:t>3/21/22</a:t>
             </a:fld>
             <a:endParaRPr lang="en-US"/>
           </a:p>
@@ -14797,7 +14891,7 @@
           <a:p>
             <a:fld id="{6700A58B-DD98-43D0-B791-721480A02982}" type="datetime1">
               <a:rPr lang="en-US" smtClean="0"/>
-              <a:t>10/25/21</a:t>
+              <a:t>3/21/22</a:t>
             </a:fld>
             <a:endParaRPr lang="en-US"/>
           </a:p>
@@ -15247,7 +15341,7 @@
           <a:p>
             <a:fld id="{D753EFC8-4232-4598-94F6-94C0EBAFC469}" type="datetime1">
               <a:rPr lang="en-US" smtClean="0"/>
-              <a:t>10/25/21</a:t>
+              <a:t>3/21/22</a:t>
             </a:fld>
             <a:endParaRPr lang="en-US"/>
           </a:p>
@@ -15443,12 +15537,8 @@
           <a:lstStyle/>
           <a:p>
             <a:r>
-              <a:rPr lang="en-US" dirty="0" err="1"/>
-              <a:t>Revisting</a:t>
-            </a:r>
-            <a:r>
-              <a:rPr lang="en-US" dirty="0"/>
-              <a:t> Naïve Forecast - Mean</a:t>
+              <a:rPr lang="en-US" dirty="0"/>
+              <a:t>Revisiting Naïve Forecast - Mean</a:t>
             </a:r>
           </a:p>
         </p:txBody>
@@ -15470,7 +15560,7 @@
           <a:p>
             <a:fld id="{D753EFC8-4232-4598-94F6-94C0EBAFC469}" type="datetime1">
               <a:rPr lang="en-US" smtClean="0"/>
-              <a:t>10/25/21</a:t>
+              <a:t>3/21/22</a:t>
             </a:fld>
             <a:endParaRPr lang="en-US"/>
           </a:p>
@@ -15690,7 +15780,7 @@
           <a:p>
             <a:fld id="{D753EFC8-4232-4598-94F6-94C0EBAFC469}" type="datetime1">
               <a:rPr lang="en-US" smtClean="0"/>
-              <a:t>10/25/21</a:t>
+              <a:t>3/21/22</a:t>
             </a:fld>
             <a:endParaRPr lang="en-US"/>
           </a:p>
@@ -16137,7 +16227,7 @@
           <a:p>
             <a:fld id="{D753EFC8-4232-4598-94F6-94C0EBAFC469}" type="datetime1">
               <a:rPr lang="en-US" smtClean="0"/>
-              <a:t>10/25/21</a:t>
+              <a:t>3/21/22</a:t>
             </a:fld>
             <a:endParaRPr lang="en-US"/>
           </a:p>
@@ -16525,7 +16615,7 @@
           <a:p>
             <a:fld id="{D753EFC8-4232-4598-94F6-94C0EBAFC469}" type="datetime1">
               <a:rPr lang="en-US" smtClean="0"/>
-              <a:t>10/25/21</a:t>
+              <a:t>3/21/22</a:t>
             </a:fld>
             <a:endParaRPr lang="en-US"/>
           </a:p>
@@ -17030,7 +17120,7 @@
           <a:p>
             <a:fld id="{D753EFC8-4232-4598-94F6-94C0EBAFC469}" type="datetime1">
               <a:rPr lang="en-US" smtClean="0"/>
-              <a:t>10/25/21</a:t>
+              <a:t>3/21/22</a:t>
             </a:fld>
             <a:endParaRPr lang="en-US"/>
           </a:p>
@@ -17376,7 +17466,7 @@
           <a:p>
             <a:fld id="{D753EFC8-4232-4598-94F6-94C0EBAFC469}" type="datetime1">
               <a:rPr lang="en-US" smtClean="0"/>
-              <a:t>10/25/21</a:t>
+              <a:t>3/21/22</a:t>
             </a:fld>
             <a:endParaRPr lang="en-US"/>
           </a:p>
@@ -17971,7 +18061,7 @@
           <a:p>
             <a:fld id="{D753EFC8-4232-4598-94F6-94C0EBAFC469}" type="datetime1">
               <a:rPr lang="en-US" smtClean="0"/>
-              <a:t>10/25/21</a:t>
+              <a:t>3/21/22</a:t>
             </a:fld>
             <a:endParaRPr lang="en-US"/>
           </a:p>
@@ -18505,7 +18595,7 @@
           <a:p>
             <a:fld id="{9B19E99B-5349-415A-8E56-8E989211A366}" type="datetime1">
               <a:rPr lang="en-US" smtClean="0"/>
-              <a:t>10/25/21</a:t>
+              <a:t>3/21/22</a:t>
             </a:fld>
             <a:endParaRPr lang="en-US"/>
           </a:p>
@@ -18673,7 +18763,7 @@
           <a:p>
             <a:fld id="{D753EFC8-4232-4598-94F6-94C0EBAFC469}" type="datetime1">
               <a:rPr lang="en-US" smtClean="0"/>
-              <a:t>10/25/21</a:t>
+              <a:t>3/21/22</a:t>
             </a:fld>
             <a:endParaRPr lang="en-US"/>
           </a:p>
@@ -19047,7 +19137,7 @@
           <a:p>
             <a:fld id="{6700A58B-DD98-43D0-B791-721480A02982}" type="datetime1">
               <a:rPr lang="en-US" smtClean="0"/>
-              <a:t>10/25/21</a:t>
+              <a:t>3/21/22</a:t>
             </a:fld>
             <a:endParaRPr lang="en-US"/>
           </a:p>
@@ -19568,7 +19658,7 @@
           <a:p>
             <a:fld id="{D753EFC8-4232-4598-94F6-94C0EBAFC469}" type="datetime1">
               <a:rPr lang="en-US" smtClean="0"/>
-              <a:t>10/25/21</a:t>
+              <a:t>3/21/22</a:t>
             </a:fld>
             <a:endParaRPr lang="en-US"/>
           </a:p>
@@ -19960,7 +20050,7 @@
           <a:p>
             <a:fld id="{D753EFC8-4232-4598-94F6-94C0EBAFC469}" type="datetime1">
               <a:rPr lang="en-US" smtClean="0"/>
-              <a:t>10/25/21</a:t>
+              <a:t>3/21/22</a:t>
             </a:fld>
             <a:endParaRPr lang="en-US"/>
           </a:p>
@@ -20491,7 +20581,7 @@
           <a:p>
             <a:fld id="{D753EFC8-4232-4598-94F6-94C0EBAFC469}" type="datetime1">
               <a:rPr lang="en-US" smtClean="0"/>
-              <a:t>10/25/21</a:t>
+              <a:t>3/21/22</a:t>
             </a:fld>
             <a:endParaRPr lang="en-US"/>
           </a:p>
@@ -20781,7 +20871,7 @@
           <a:p>
             <a:fld id="{D753EFC8-4232-4598-94F6-94C0EBAFC469}" type="datetime1">
               <a:rPr lang="en-US" smtClean="0"/>
-              <a:t>10/25/21</a:t>
+              <a:t>3/21/22</a:t>
             </a:fld>
             <a:endParaRPr lang="en-US"/>
           </a:p>
@@ -21071,7 +21161,7 @@
           <a:p>
             <a:fld id="{D753EFC8-4232-4598-94F6-94C0EBAFC469}" type="datetime1">
               <a:rPr lang="en-US" smtClean="0"/>
-              <a:t>10/25/21</a:t>
+              <a:t>3/21/22</a:t>
             </a:fld>
             <a:endParaRPr lang="en-US"/>
           </a:p>
@@ -21451,7 +21541,7 @@
           <a:p>
             <a:fld id="{D753EFC8-4232-4598-94F6-94C0EBAFC469}" type="datetime1">
               <a:rPr lang="en-US" smtClean="0"/>
-              <a:t>10/25/21</a:t>
+              <a:t>3/21/22</a:t>
             </a:fld>
             <a:endParaRPr lang="en-US"/>
           </a:p>
@@ -21716,7 +21806,7 @@
           <a:p>
             <a:fld id="{D753EFC8-4232-4598-94F6-94C0EBAFC469}" type="datetime1">
               <a:rPr lang="en-US" smtClean="0"/>
-              <a:t>10/25/21</a:t>
+              <a:t>3/21/22</a:t>
             </a:fld>
             <a:endParaRPr lang="en-US"/>
           </a:p>
@@ -21829,7 +21919,7 @@
             <p:ph idx="1"/>
             <p:extLst>
               <p:ext uri="{D42A27DB-BD31-4B8C-83A1-F6EECF244321}">
-                <p14:modId xmlns:p14="http://schemas.microsoft.com/office/powerpoint/2010/main" val="2536468322"/>
+                <p14:modId xmlns:p14="http://schemas.microsoft.com/office/powerpoint/2010/main" val="3279161421"/>
               </p:ext>
             </p:extLst>
           </p:nvPr>
@@ -22092,12 +22182,8 @@
                     <a:lstStyle/>
                     <a:p>
                       <a:r>
-                        <a:rPr lang="en-US" sz="2000" dirty="0" err="1"/>
-                        <a:t>HoltWinters</a:t>
-                      </a:r>
-                      <a:r>
                         <a:rPr lang="en-US" sz="2000" dirty="0"/>
-                        <a:t> Forecasting</a:t>
+                        <a:t>Appendix</a:t>
                       </a:r>
                     </a:p>
                   </a:txBody>
@@ -22138,8 +22224,12 @@
                     <a:lstStyle/>
                     <a:p>
                       <a:r>
+                        <a:rPr lang="en-US" sz="2000" dirty="0" err="1"/>
+                        <a:t>HoltWinters</a:t>
+                      </a:r>
+                      <a:r>
                         <a:rPr lang="en-US" sz="2000" dirty="0"/>
-                        <a:t>Appendix</a:t>
+                        <a:t> Forecasting </a:t>
                       </a:r>
                     </a:p>
                   </a:txBody>
@@ -22250,7 +22340,7 @@
           <a:p>
             <a:fld id="{9B19E99B-5349-415A-8E56-8E989211A366}" type="datetime1">
               <a:rPr lang="en-US" smtClean="0"/>
-              <a:t>10/25/21</a:t>
+              <a:t>3/21/22</a:t>
             </a:fld>
             <a:endParaRPr lang="en-US"/>
           </a:p>
@@ -22370,7 +22460,7 @@
           <a:p>
             <a:fld id="{D753EFC8-4232-4598-94F6-94C0EBAFC469}" type="datetime1">
               <a:rPr lang="en-US" smtClean="0"/>
-              <a:t>10/25/21</a:t>
+              <a:t>3/21/22</a:t>
             </a:fld>
             <a:endParaRPr lang="en-US"/>
           </a:p>
@@ -23087,7 +23177,7 @@
           <a:p>
             <a:fld id="{D753EFC8-4232-4598-94F6-94C0EBAFC469}" type="datetime1">
               <a:rPr lang="en-US" smtClean="0"/>
-              <a:t>10/25/21</a:t>
+              <a:t>3/21/22</a:t>
             </a:fld>
             <a:endParaRPr lang="en-US"/>
           </a:p>
@@ -24023,7 +24113,7 @@
           <a:p>
             <a:fld id="{6700A58B-DD98-43D0-B791-721480A02982}" type="datetime1">
               <a:rPr lang="en-US" smtClean="0"/>
-              <a:t>10/25/21</a:t>
+              <a:t>3/21/22</a:t>
             </a:fld>
             <a:endParaRPr lang="en-US"/>
           </a:p>
@@ -24225,7 +24315,7 @@
         </p:nvCxnSpPr>
         <p:spPr>
           <a:xfrm>
-            <a:off x="342912" y="2147888"/>
+            <a:off x="342912" y="2610111"/>
             <a:ext cx="0" cy="1457325"/>
           </a:xfrm>
           <a:prstGeom prst="straightConnector1">
@@ -24261,8 +24351,8 @@
         </p:nvSpPr>
         <p:spPr>
           <a:xfrm rot="16200000">
-            <a:off x="-365100" y="2738051"/>
-            <a:ext cx="1007199" cy="276999"/>
+            <a:off x="-791819" y="3180179"/>
+            <a:ext cx="1860638" cy="276999"/>
           </a:xfrm>
           <a:prstGeom prst="rect">
             <a:avLst/>
@@ -24281,7 +24371,7 @@
                   <a:schemeClr val="accent6"/>
                 </a:solidFill>
               </a:rPr>
-              <a:t>Observations</a:t>
+              <a:t>Time Related Observations</a:t>
             </a:r>
           </a:p>
         </p:txBody>
@@ -24526,7 +24616,7 @@
           <a:p>
             <a:fld id="{D753EFC8-4232-4598-94F6-94C0EBAFC469}" type="datetime1">
               <a:rPr lang="en-US" smtClean="0"/>
-              <a:t>10/25/21</a:t>
+              <a:t>3/21/22</a:t>
             </a:fld>
             <a:endParaRPr lang="en-US"/>
           </a:p>
@@ -25524,7 +25614,7 @@
           <a:p>
             <a:fld id="{D753EFC8-4232-4598-94F6-94C0EBAFC469}" type="datetime1">
               <a:rPr lang="en-US" smtClean="0"/>
-              <a:t>10/25/21</a:t>
+              <a:t>3/21/22</a:t>
             </a:fld>
             <a:endParaRPr lang="en-US"/>
           </a:p>
@@ -25821,7 +25911,7 @@
           <a:p>
             <a:fld id="{D753EFC8-4232-4598-94F6-94C0EBAFC469}" type="datetime1">
               <a:rPr lang="en-US" smtClean="0"/>
-              <a:t>10/25/21</a:t>
+              <a:t>3/21/22</a:t>
             </a:fld>
             <a:endParaRPr lang="en-US"/>
           </a:p>
@@ -26006,7 +26096,7 @@
           <a:graphicData uri="http://schemas.openxmlformats.org/presentationml/2006/ole">
             <mc:AlternateContent xmlns:mc="http://schemas.openxmlformats.org/markup-compatibility/2006">
               <mc:Choice xmlns:v="urn:schemas-microsoft-com:vml" Requires="v">
-                <p:oleObj spid="_x0000_s13375" name="think-cell Slide" r:id="rId5" imgW="270" imgH="270" progId="TCLayout.ActiveDocument.1">
+                <p:oleObj spid="_x0000_s13376" name="think-cell Slide" r:id="rId5" imgW="270" imgH="270" progId="TCLayout.ActiveDocument.1">
                   <p:embed/>
                 </p:oleObj>
               </mc:Choice>
@@ -26758,7 +26848,7 @@
           <a:p>
             <a:fld id="{D753EFC8-4232-4598-94F6-94C0EBAFC469}" type="datetime1">
               <a:rPr lang="en-US" smtClean="0"/>
-              <a:t>10/25/21</a:t>
+              <a:t>3/21/22</a:t>
             </a:fld>
             <a:endParaRPr lang="en-US"/>
           </a:p>
@@ -27003,7 +27093,7 @@
           <a:p>
             <a:fld id="{6700A58B-DD98-43D0-B791-721480A02982}" type="datetime1">
               <a:rPr lang="en-US" smtClean="0"/>
-              <a:t>10/25/21</a:t>
+              <a:t>3/21/22</a:t>
             </a:fld>
             <a:endParaRPr lang="en-US"/>
           </a:p>
@@ -27387,7 +27477,7 @@
             </a:r>
             <a:r>
               <a:rPr lang="en-US" dirty="0"/>
-              <a:t> (our focus) seeks to </a:t>
+              <a:t> seeks to </a:t>
             </a:r>
             <a:r>
               <a:rPr lang="en-US" b="1" dirty="0"/>
@@ -27522,7 +27612,7 @@
           <a:p>
             <a:fld id="{6700A58B-DD98-43D0-B791-721480A02982}" type="datetime1">
               <a:rPr lang="en-US" smtClean="0"/>
-              <a:t>10/25/21</a:t>
+              <a:t>3/21/22</a:t>
             </a:fld>
             <a:endParaRPr lang="en-US"/>
           </a:p>
@@ -28702,7 +28792,7 @@
           <a:p>
             <a:fld id="{6700A58B-DD98-43D0-B791-721480A02982}" type="datetime1">
               <a:rPr lang="en-US" smtClean="0"/>
-              <a:t>10/25/21</a:t>
+              <a:t>3/21/22</a:t>
             </a:fld>
             <a:endParaRPr lang="en-US"/>
           </a:p>
